--- a/DEMO/progress_report.pptx
+++ b/DEMO/progress_report.pptx
@@ -9,11 +9,13 @@
     <p:sldId id="257" r:id="rId3"/>
     <p:sldId id="258" r:id="rId4"/>
     <p:sldId id="263" r:id="rId5"/>
-    <p:sldId id="264" r:id="rId6"/>
-    <p:sldId id="260" r:id="rId7"/>
-    <p:sldId id="261" r:id="rId8"/>
-    <p:sldId id="262" r:id="rId9"/>
-    <p:sldId id="265" r:id="rId10"/>
+    <p:sldId id="267" r:id="rId6"/>
+    <p:sldId id="264" r:id="rId7"/>
+    <p:sldId id="266" r:id="rId8"/>
+    <p:sldId id="260" r:id="rId9"/>
+    <p:sldId id="261" r:id="rId10"/>
+    <p:sldId id="262" r:id="rId11"/>
+    <p:sldId id="265" r:id="rId12"/>
   </p:sldIdLst>
   <p:sldSz cx="12192000" cy="6858000"/>
   <p:notesSz cx="6858000" cy="9144000"/>
@@ -112,6 +114,11 @@
       </a:defRPr>
     </a:lvl9pPr>
   </p:defaultTextStyle>
+  <p:extLst>
+    <p:ext uri="{EFAFB233-063F-42B5-8137-9DF3F51BA10A}">
+      <p15:sldGuideLst xmlns:p15="http://schemas.microsoft.com/office/powerpoint/2012/main"/>
+    </p:ext>
+  </p:extLst>
 </p:presentation>
 </file>
 
@@ -361,7 +368,7 @@
             <a:fld id="{B61BEF0D-F0BB-DE4B-95CE-6DB70DBA9567}" type="datetimeFigureOut">
               <a:rPr lang="en-US" dirty="0"/>
               <a:pPr/>
-              <a:t>2/15/2025</a:t>
+              <a:t>2/19/2025</a:t>
             </a:fld>
             <a:endParaRPr lang="en-US" dirty="0"/>
           </a:p>
@@ -620,7 +627,7 @@
             <a:fld id="{B61BEF0D-F0BB-DE4B-95CE-6DB70DBA9567}" type="datetimeFigureOut">
               <a:rPr lang="en-US" dirty="0"/>
               <a:pPr/>
-              <a:t>2/15/2025</a:t>
+              <a:t>2/19/2025</a:t>
             </a:fld>
             <a:endParaRPr lang="en-US" dirty="0"/>
           </a:p>
@@ -852,7 +859,7 @@
             <a:fld id="{B61BEF0D-F0BB-DE4B-95CE-6DB70DBA9567}" type="datetimeFigureOut">
               <a:rPr lang="en-US" dirty="0"/>
               <a:pPr/>
-              <a:t>2/15/2025</a:t>
+              <a:t>2/19/2025</a:t>
             </a:fld>
             <a:endParaRPr lang="en-US" dirty="0"/>
           </a:p>
@@ -1089,7 +1096,7 @@
             <a:fld id="{B61BEF0D-F0BB-DE4B-95CE-6DB70DBA9567}" type="datetimeFigureOut">
               <a:rPr lang="en-US" dirty="0"/>
               <a:pPr/>
-              <a:t>2/15/2025</a:t>
+              <a:t>2/19/2025</a:t>
             </a:fld>
             <a:endParaRPr lang="en-US" dirty="0"/>
           </a:p>
@@ -1393,7 +1400,7 @@
             <a:fld id="{B61BEF0D-F0BB-DE4B-95CE-6DB70DBA9567}" type="datetimeFigureOut">
               <a:rPr lang="en-US" dirty="0"/>
               <a:pPr/>
-              <a:t>2/15/2025</a:t>
+              <a:t>2/19/2025</a:t>
             </a:fld>
             <a:endParaRPr lang="en-US" dirty="0"/>
           </a:p>
@@ -1692,7 +1699,7 @@
             <a:fld id="{B61BEF0D-F0BB-DE4B-95CE-6DB70DBA9567}" type="datetimeFigureOut">
               <a:rPr lang="en-US" dirty="0"/>
               <a:pPr/>
-              <a:t>2/15/2025</a:t>
+              <a:t>2/19/2025</a:t>
             </a:fld>
             <a:endParaRPr lang="en-US" dirty="0"/>
           </a:p>
@@ -2111,7 +2118,7 @@
             <a:fld id="{B61BEF0D-F0BB-DE4B-95CE-6DB70DBA9567}" type="datetimeFigureOut">
               <a:rPr lang="en-US" dirty="0"/>
               <a:pPr/>
-              <a:t>2/15/2025</a:t>
+              <a:t>2/19/2025</a:t>
             </a:fld>
             <a:endParaRPr lang="en-US" dirty="0"/>
           </a:p>
@@ -2270,7 +2277,7 @@
             <a:fld id="{B61BEF0D-F0BB-DE4B-95CE-6DB70DBA9567}" type="datetimeFigureOut">
               <a:rPr lang="en-US" dirty="0"/>
               <a:pPr/>
-              <a:t>2/15/2025</a:t>
+              <a:t>2/19/2025</a:t>
             </a:fld>
             <a:endParaRPr lang="en-US" dirty="0"/>
           </a:p>
@@ -2362,7 +2369,7 @@
             <a:fld id="{B61BEF0D-F0BB-DE4B-95CE-6DB70DBA9567}" type="datetimeFigureOut">
               <a:rPr lang="en-US" dirty="0"/>
               <a:pPr/>
-              <a:t>2/15/2025</a:t>
+              <a:t>2/19/2025</a:t>
             </a:fld>
             <a:endParaRPr lang="en-US" dirty="0"/>
           </a:p>
@@ -2737,7 +2744,7 @@
             <a:fld id="{B61BEF0D-F0BB-DE4B-95CE-6DB70DBA9567}" type="datetimeFigureOut">
               <a:rPr lang="en-US" dirty="0"/>
               <a:pPr/>
-              <a:t>2/15/2025</a:t>
+              <a:t>2/19/2025</a:t>
             </a:fld>
             <a:endParaRPr lang="en-US" dirty="0"/>
           </a:p>
@@ -3023,7 +3030,7 @@
             <a:fld id="{B61BEF0D-F0BB-DE4B-95CE-6DB70DBA9567}" type="datetimeFigureOut">
               <a:rPr lang="en-US" dirty="0"/>
               <a:pPr/>
-              <a:t>2/15/2025</a:t>
+              <a:t>2/19/2025</a:t>
             </a:fld>
             <a:endParaRPr lang="en-US" dirty="0"/>
           </a:p>
@@ -3231,7 +3238,7 @@
             <a:fld id="{B61BEF0D-F0BB-DE4B-95CE-6DB70DBA9567}" type="datetimeFigureOut">
               <a:rPr lang="en-US" dirty="0"/>
               <a:pPr/>
-              <a:t>2/15/2025</a:t>
+              <a:t>2/19/2025</a:t>
             </a:fld>
             <a:endParaRPr lang="en-US" dirty="0"/>
           </a:p>
@@ -4108,6 +4115,14 @@
               <a:t>Madhusanka</a:t>
             </a:r>
             <a:r>
+              <a:rPr lang="en-US" cap="none" dirty="0" smtClean="0">
+                <a:solidFill>
+                  <a:schemeClr val="bg1"/>
+                </a:solidFill>
+              </a:rPr>
+              <a:t> </a:t>
+            </a:r>
+            <a:r>
               <a:rPr lang="en-US" dirty="0" smtClean="0">
                 <a:solidFill>
                   <a:schemeClr val="bg1"/>
@@ -4138,6 +4153,290 @@
     <p:extLst>
       <p:ext uri="{BB962C8B-B14F-4D97-AF65-F5344CB8AC3E}">
         <p14:creationId xmlns:p14="http://schemas.microsoft.com/office/powerpoint/2010/main" val="617303641"/>
+      </p:ext>
+    </p:extLst>
+  </p:cSld>
+  <p:clrMapOvr>
+    <a:masterClrMapping/>
+  </p:clrMapOvr>
+</p:sld>
+</file>
+
+<file path=ppt/slides/slide10.xml><?xml version="1.0" encoding="utf-8"?>
+<p:sld xmlns:a="http://schemas.openxmlformats.org/drawingml/2006/main" xmlns:r="http://schemas.openxmlformats.org/officeDocument/2006/relationships" xmlns:p="http://schemas.openxmlformats.org/presentationml/2006/main">
+  <p:cSld>
+    <p:spTree>
+      <p:nvGrpSpPr>
+        <p:cNvPr id="1" name=""/>
+        <p:cNvGrpSpPr/>
+        <p:nvPr/>
+      </p:nvGrpSpPr>
+      <p:grpSpPr>
+        <a:xfrm>
+          <a:off x="0" y="0"/>
+          <a:ext cx="0" cy="0"/>
+          <a:chOff x="0" y="0"/>
+          <a:chExt cx="0" cy="0"/>
+        </a:xfrm>
+      </p:grpSpPr>
+      <p:sp>
+        <p:nvSpPr>
+          <p:cNvPr id="2" name="Title 1"/>
+          <p:cNvSpPr>
+            <a:spLocks noGrp="1"/>
+          </p:cNvSpPr>
+          <p:nvPr>
+            <p:ph type="title"/>
+          </p:nvPr>
+        </p:nvSpPr>
+        <p:spPr/>
+        <p:txBody>
+          <a:bodyPr/>
+          <a:lstStyle/>
+          <a:p>
+            <a:r>
+              <a:rPr lang="en-US" b="1" dirty="0"/>
+              <a:t>Remaining Work &amp; Future-Plans</a:t>
+            </a:r>
+            <a:endParaRPr lang="en-US" dirty="0"/>
+          </a:p>
+        </p:txBody>
+      </p:sp>
+      <p:sp>
+        <p:nvSpPr>
+          <p:cNvPr id="3" name="Content Placeholder 2"/>
+          <p:cNvSpPr>
+            <a:spLocks noGrp="1"/>
+          </p:cNvSpPr>
+          <p:nvPr>
+            <p:ph idx="1"/>
+          </p:nvPr>
+        </p:nvSpPr>
+        <p:spPr/>
+        <p:txBody>
+          <a:bodyPr anchor="t"/>
+          <a:lstStyle/>
+          <a:p>
+            <a:r>
+              <a:rPr lang="en-US" dirty="0"/>
+              <a:t>The most challenging task is lane violation </a:t>
+            </a:r>
+            <a:r>
+              <a:rPr lang="en-US" dirty="0" smtClean="0"/>
+              <a:t>detection also depends the downstream app. (</a:t>
+            </a:r>
+            <a:r>
+              <a:rPr lang="en-US" dirty="0" smtClean="0">
+                <a:solidFill>
+                  <a:schemeClr val="accent5">
+                    <a:lumMod val="50000"/>
+                  </a:schemeClr>
+                </a:solidFill>
+              </a:rPr>
+              <a:t> Working Progress</a:t>
+            </a:r>
+            <a:r>
+              <a:rPr lang="en-US" dirty="0" smtClean="0"/>
+              <a:t>)</a:t>
+            </a:r>
+          </a:p>
+          <a:p>
+            <a:pPr lvl="1"/>
+            <a:r>
+              <a:rPr lang="en-US" dirty="0"/>
+              <a:t>Now I am starting to fine-tune it for Sri Lankan </a:t>
+            </a:r>
+            <a:r>
+              <a:rPr lang="en-US" dirty="0" smtClean="0"/>
+              <a:t>lanes ( data processing annotation time consuming task..)</a:t>
+            </a:r>
+          </a:p>
+          <a:p>
+            <a:r>
+              <a:rPr lang="en-US" dirty="0"/>
+              <a:t>Helmet violation detection started with a pre-existing YOLO model; fine-tuning is needed as well.</a:t>
+            </a:r>
+            <a:r>
+              <a:rPr lang="en-US" dirty="0" smtClean="0"/>
+              <a:t> </a:t>
+            </a:r>
+            <a:r>
+              <a:rPr lang="en-US" dirty="0" smtClean="0">
+                <a:solidFill>
+                  <a:schemeClr val="accent5">
+                    <a:lumMod val="50000"/>
+                  </a:schemeClr>
+                </a:solidFill>
+              </a:rPr>
+              <a:t>(Not started)</a:t>
+            </a:r>
+          </a:p>
+          <a:p>
+            <a:r>
+              <a:rPr lang="en-US" dirty="0" smtClean="0"/>
+              <a:t>Illegal parking violation detection. </a:t>
+            </a:r>
+            <a:r>
+              <a:rPr lang="en-US" dirty="0" smtClean="0">
+                <a:solidFill>
+                  <a:schemeClr val="accent5">
+                    <a:lumMod val="50000"/>
+                  </a:schemeClr>
+                </a:solidFill>
+              </a:rPr>
+              <a:t>( Not started)</a:t>
+            </a:r>
+          </a:p>
+          <a:p>
+            <a:r>
+              <a:rPr lang="en-US" dirty="0"/>
+              <a:t>Detecting vehicles turning at junctions without using turn signal lights</a:t>
+            </a:r>
+            <a:r>
+              <a:rPr lang="en-US" dirty="0" smtClean="0"/>
+              <a:t>.</a:t>
+            </a:r>
+          </a:p>
+          <a:p>
+            <a:r>
+              <a:rPr lang="en-US" dirty="0" smtClean="0"/>
+              <a:t>(</a:t>
+            </a:r>
+            <a:r>
+              <a:rPr lang="en-US" dirty="0"/>
+              <a:t>This can be aided by a lane detection model in the previous task)</a:t>
+            </a:r>
+            <a:endParaRPr lang="en-US" dirty="0" smtClean="0"/>
+          </a:p>
+          <a:p>
+            <a:endParaRPr lang="en-US" dirty="0" smtClean="0"/>
+          </a:p>
+        </p:txBody>
+      </p:sp>
+      <p:pic>
+        <p:nvPicPr>
+          <p:cNvPr id="1026" name="Picture 2" descr="How to Build Your Social Media Marketing Strategy | Sprout Social"/>
+          <p:cNvPicPr>
+            <a:picLocks noChangeAspect="1" noChangeArrowheads="1"/>
+          </p:cNvPicPr>
+          <p:nvPr/>
+        </p:nvPicPr>
+        <p:blipFill>
+          <a:blip r:embed="rId2">
+            <a:extLst>
+              <a:ext uri="{28A0092B-C50C-407E-A947-70E740481C1C}">
+                <a14:useLocalDpi xmlns:a14="http://schemas.microsoft.com/office/drawing/2010/main" val="0"/>
+              </a:ext>
+            </a:extLst>
+          </a:blip>
+          <a:srcRect/>
+          <a:stretch>
+            <a:fillRect/>
+          </a:stretch>
+        </p:blipFill>
+        <p:spPr bwMode="auto">
+          <a:xfrm>
+            <a:off x="9555067" y="613612"/>
+            <a:ext cx="2179734" cy="1191126"/>
+          </a:xfrm>
+          <a:prstGeom prst="rect">
+            <a:avLst/>
+          </a:prstGeom>
+          <a:noFill/>
+          <a:extLst>
+            <a:ext uri="{909E8E84-426E-40DD-AFC4-6F175D3DCCD1}">
+              <a14:hiddenFill xmlns:a14="http://schemas.microsoft.com/office/drawing/2010/main">
+                <a:solidFill>
+                  <a:srgbClr val="FFFFFF"/>
+                </a:solidFill>
+              </a14:hiddenFill>
+            </a:ext>
+          </a:extLst>
+        </p:spPr>
+      </p:pic>
+    </p:spTree>
+    <p:extLst>
+      <p:ext uri="{BB962C8B-B14F-4D97-AF65-F5344CB8AC3E}">
+        <p14:creationId xmlns:p14="http://schemas.microsoft.com/office/powerpoint/2010/main" val="4088224590"/>
+      </p:ext>
+    </p:extLst>
+  </p:cSld>
+  <p:clrMapOvr>
+    <a:masterClrMapping/>
+  </p:clrMapOvr>
+</p:sld>
+</file>
+
+<file path=ppt/slides/slide11.xml><?xml version="1.0" encoding="utf-8"?>
+<p:sld xmlns:a="http://schemas.openxmlformats.org/drawingml/2006/main" xmlns:r="http://schemas.openxmlformats.org/officeDocument/2006/relationships" xmlns:p="http://schemas.openxmlformats.org/presentationml/2006/main">
+  <p:cSld>
+    <p:spTree>
+      <p:nvGrpSpPr>
+        <p:cNvPr id="1" name=""/>
+        <p:cNvGrpSpPr/>
+        <p:nvPr/>
+      </p:nvGrpSpPr>
+      <p:grpSpPr>
+        <a:xfrm>
+          <a:off x="0" y="0"/>
+          <a:ext cx="0" cy="0"/>
+          <a:chOff x="0" y="0"/>
+          <a:chExt cx="0" cy="0"/>
+        </a:xfrm>
+      </p:grpSpPr>
+      <p:sp>
+        <p:nvSpPr>
+          <p:cNvPr id="2" name="Title 1"/>
+          <p:cNvSpPr>
+            <a:spLocks noGrp="1"/>
+          </p:cNvSpPr>
+          <p:nvPr>
+            <p:ph type="title"/>
+          </p:nvPr>
+        </p:nvSpPr>
+        <p:spPr/>
+        <p:txBody>
+          <a:bodyPr/>
+          <a:lstStyle/>
+          <a:p>
+            <a:r>
+              <a:rPr lang="en-US" dirty="0"/>
+              <a:t>Thank you.</a:t>
+            </a:r>
+          </a:p>
+        </p:txBody>
+      </p:sp>
+      <p:sp>
+        <p:nvSpPr>
+          <p:cNvPr id="3" name="Content Placeholder 2"/>
+          <p:cNvSpPr>
+            <a:spLocks noGrp="1"/>
+          </p:cNvSpPr>
+          <p:nvPr>
+            <p:ph idx="1"/>
+          </p:nvPr>
+        </p:nvSpPr>
+        <p:spPr/>
+        <p:txBody>
+          <a:bodyPr/>
+          <a:lstStyle/>
+          <a:p>
+            <a:r>
+              <a:rPr lang="en-US" dirty="0"/>
+              <a:t>Questions and </a:t>
+            </a:r>
+            <a:r>
+              <a:rPr lang="en-US" dirty="0" smtClean="0"/>
+              <a:t>Answer</a:t>
+            </a:r>
+            <a:endParaRPr lang="en-US" dirty="0"/>
+          </a:p>
+        </p:txBody>
+      </p:sp>
+    </p:spTree>
+    <p:extLst>
+      <p:ext uri="{BB962C8B-B14F-4D97-AF65-F5344CB8AC3E}">
+        <p14:creationId xmlns:p14="http://schemas.microsoft.com/office/powerpoint/2010/main" val="1409783409"/>
       </p:ext>
     </p:extLst>
   </p:cSld>
@@ -4181,7 +4480,15 @@
           <a:p>
             <a:r>
               <a:rPr lang="en-US" b="1" dirty="0"/>
-              <a:t>Introduction &amp; Research Problem</a:t>
+              <a:t>Introduction &amp; Research </a:t>
+            </a:r>
+            <a:r>
+              <a:rPr lang="en-US" b="1" dirty="0" smtClean="0"/>
+              <a:t>Problem (</a:t>
+            </a:r>
+            <a:r>
+              <a:rPr lang="en-US" b="1" dirty="0" smtClean="0"/>
+              <a:t>Recap)</a:t>
             </a:r>
             <a:endParaRPr lang="en-US" dirty="0"/>
           </a:p>
@@ -4314,7 +4621,15 @@
           <a:p>
             <a:r>
               <a:rPr lang="en-US" b="1" dirty="0"/>
-              <a:t>Research Objectives &amp; Scope</a:t>
+              <a:t>Research Objectives &amp; </a:t>
+            </a:r>
+            <a:r>
+              <a:rPr lang="en-US" b="1" dirty="0" smtClean="0"/>
+              <a:t>Scope (</a:t>
+            </a:r>
+            <a:r>
+              <a:rPr lang="en-US" b="1" dirty="0"/>
+              <a:t>Recap)</a:t>
             </a:r>
             <a:endParaRPr lang="en-US" dirty="0"/>
           </a:p>
@@ -4395,20 +4710,13 @@
             </a:pPr>
             <a:r>
               <a:rPr lang="en-US" dirty="0" smtClean="0"/>
-              <a:t>Detecting vehicles turning at junctions without using signal lights.</a:t>
-            </a:r>
-          </a:p>
-          <a:p>
-            <a:pPr>
-              <a:lnSpc>
-                <a:spcPct val="150000"/>
-              </a:lnSpc>
-            </a:pPr>
+              <a:t>Detecting vehicles turning at junctions without using signal lights</a:t>
+            </a:r>
             <a:r>
               <a:rPr lang="en-US" dirty="0" smtClean="0"/>
-              <a:t>However, this is not finalized list and will depend on the timeline and data collection strategy.</a:t>
-            </a:r>
-            <a:endParaRPr lang="en-US" sz="1600" dirty="0"/>
+              <a:t>.</a:t>
+            </a:r>
+            <a:endParaRPr lang="en-US" dirty="0" smtClean="0"/>
           </a:p>
         </p:txBody>
       </p:sp>
@@ -4576,7 +4884,11 @@
           <a:p>
             <a:r>
               <a:rPr lang="en-US" b="1" dirty="0"/>
-              <a:t> Literature Review Summary</a:t>
+              <a:t> Literature Review </a:t>
+            </a:r>
+            <a:r>
+              <a:rPr lang="en-US" b="1" dirty="0" smtClean="0"/>
+              <a:t>Summary (MAIN)</a:t>
             </a:r>
             <a:endParaRPr lang="en-US" dirty="0"/>
           </a:p>
@@ -4589,17 +4901,17 @@
             <a:graphicFrameLocks noGrp="1"/>
           </p:cNvGraphicFramePr>
           <p:nvPr>
-            <p:ph idx="1"/>
+            <p:ph sz="half" idx="1"/>
             <p:extLst>
               <p:ext uri="{D42A27DB-BD31-4B8C-83A1-F6EECF244321}">
-                <p14:modId xmlns:p14="http://schemas.microsoft.com/office/powerpoint/2010/main" val="3081166075"/>
+                <p14:modId xmlns:p14="http://schemas.microsoft.com/office/powerpoint/2010/main" val="2413306711"/>
               </p:ext>
             </p:extLst>
           </p:nvPr>
         </p:nvGraphicFramePr>
         <p:xfrm>
-          <a:off x="581025" y="2181225"/>
-          <a:ext cx="11029952" cy="3388360"/>
+          <a:off x="450851" y="2095499"/>
+          <a:ext cx="11290300" cy="4372196"/>
         </p:xfrm>
         <a:graphic>
           <a:graphicData uri="http://schemas.openxmlformats.org/drawingml/2006/table">
@@ -4608,12 +4920,132 @@
                 <a:tableStyleId>{5C22544A-7EE6-4342-B048-85BDC9FD1C3A}</a:tableStyleId>
               </a:tblPr>
               <a:tblGrid>
-                <a:gridCol w="2757488"/>
-                <a:gridCol w="2757488"/>
-                <a:gridCol w="2757488"/>
-                <a:gridCol w="2757488"/>
+                <a:gridCol w="2822575"/>
+                <a:gridCol w="2822575"/>
+                <a:gridCol w="2822575"/>
+                <a:gridCol w="2822575"/>
               </a:tblGrid>
-              <a:tr h="370840">
+              <a:tr h="682822">
+                <a:tc>
+                  <a:txBody>
+                    <a:bodyPr/>
+                    <a:lstStyle/>
+                    <a:p>
+                      <a:r>
+                        <a:rPr lang="en-US" sz="1800" dirty="0" smtClean="0"/>
+                        <a:t>Topic</a:t>
+                      </a:r>
+                      <a:endParaRPr lang="en-US" sz="1800" dirty="0"/>
+                    </a:p>
+                  </a:txBody>
+                  <a:tcPr marL="44957" marR="44957"/>
+                </a:tc>
+                <a:tc>
+                  <a:txBody>
+                    <a:bodyPr/>
+                    <a:lstStyle/>
+                    <a:p>
+                      <a:r>
+                        <a:rPr lang="en-US" sz="1800" dirty="0" smtClean="0"/>
+                        <a:t>link</a:t>
+                      </a:r>
+                      <a:endParaRPr lang="en-US" sz="1800" dirty="0"/>
+                    </a:p>
+                  </a:txBody>
+                  <a:tcPr marL="44957" marR="44957"/>
+                </a:tc>
+                <a:tc>
+                  <a:txBody>
+                    <a:bodyPr/>
+                    <a:lstStyle/>
+                    <a:p>
+                      <a:r>
+                        <a:rPr lang="en-US" sz="1800" dirty="0" smtClean="0"/>
+                        <a:t>Summary</a:t>
+                      </a:r>
+                      <a:endParaRPr lang="en-US" sz="1800" dirty="0"/>
+                    </a:p>
+                  </a:txBody>
+                  <a:tcPr marL="44957" marR="44957"/>
+                </a:tc>
+                <a:tc>
+                  <a:txBody>
+                    <a:bodyPr/>
+                    <a:lstStyle/>
+                    <a:p>
+                      <a:r>
+                        <a:rPr lang="en-US" sz="1800" dirty="0" smtClean="0"/>
+                        <a:t>Why</a:t>
+                      </a:r>
+                      <a:r>
+                        <a:rPr lang="en-US" sz="1800" baseline="0" dirty="0" smtClean="0"/>
+                        <a:t> it not matching our need</a:t>
+                      </a:r>
+                      <a:endParaRPr lang="en-US" sz="1800" dirty="0"/>
+                    </a:p>
+                  </a:txBody>
+                  <a:tcPr marL="44957" marR="44957"/>
+                </a:tc>
+              </a:tr>
+              <a:tr h="1068397">
+                <a:tc>
+                  <a:txBody>
+                    <a:bodyPr/>
+                    <a:lstStyle/>
+                    <a:p>
+                      <a:r>
+                        <a:rPr lang="en-US" sz="1800" dirty="0" smtClean="0"/>
+                        <a:t>Traffic Violation Detection System </a:t>
+                      </a:r>
+                      <a:endParaRPr lang="en-US" sz="1800" dirty="0"/>
+                    </a:p>
+                  </a:txBody>
+                  <a:tcPr marL="44957" marR="44957"/>
+                </a:tc>
+                <a:tc>
+                  <a:txBody>
+                    <a:bodyPr/>
+                    <a:lstStyle/>
+                    <a:p>
+                      <a:r>
+                        <a:rPr lang="en-US" sz="1800" dirty="0" smtClean="0"/>
+                        <a:t>https://journals.sjp.ac.lk/index.php/contre/article/view/7390/5270</a:t>
+                      </a:r>
+                      <a:endParaRPr lang="en-US" sz="1800" dirty="0"/>
+                    </a:p>
+                  </a:txBody>
+                  <a:tcPr marL="44957" marR="44957"/>
+                </a:tc>
+                <a:tc>
+                  <a:txBody>
+                    <a:bodyPr/>
+                    <a:lstStyle/>
+                    <a:p>
+                      <a:r>
+                        <a:rPr lang="en-US" sz="1800" dirty="0" smtClean="0"/>
+                        <a:t>This was based on CCTV fix position camera</a:t>
+                      </a:r>
+                      <a:endParaRPr lang="en-US" sz="1800" dirty="0"/>
+                    </a:p>
+                  </a:txBody>
+                  <a:tcPr marL="44957" marR="44957"/>
+                </a:tc>
+                <a:tc>
+                  <a:txBody>
+                    <a:bodyPr/>
+                    <a:lstStyle/>
+                    <a:p>
+                      <a:r>
+                        <a:rPr lang="en-US" sz="1800" dirty="0" smtClean="0"/>
+                        <a:t>The dynamic nature of the video has not been addressed</a:t>
+                      </a:r>
+                      <a:endParaRPr lang="en-US" sz="1800" dirty="0"/>
+                    </a:p>
+                  </a:txBody>
+                  <a:tcPr marL="44957" marR="44957"/>
+                </a:tc>
+              </a:tr>
+              <a:tr h="951606">
                 <a:tc>
                   <a:txBody>
                     <a:bodyPr/>
@@ -4621,12 +5053,12 @@
                     <a:p>
                       <a:r>
                         <a:rPr lang="en-US" dirty="0" smtClean="0"/>
-                        <a:t>Topic</a:t>
+                        <a:t>Traffic Squad - Smart Traffic Violation Detection System</a:t>
                       </a:r>
-                      <a:endParaRPr lang="en-US" dirty="0"/>
+                      <a:endParaRPr lang="en-US" sz="1800" dirty="0"/>
                     </a:p>
                   </a:txBody>
-                  <a:tcPr/>
+                  <a:tcPr marL="44957" marR="44957"/>
                 </a:tc>
                 <a:tc>
                   <a:txBody>
@@ -4634,13 +5066,13 @@
                     <a:lstStyle/>
                     <a:p>
                       <a:r>
-                        <a:rPr lang="en-US" dirty="0" smtClean="0"/>
-                        <a:t>link</a:t>
+                        <a:rPr lang="en-US" sz="1400" dirty="0" smtClean="0"/>
+                        <a:t>https://www.ijarp.org/published-research-papers/jun2023/Traffic-Squad-Smart-Traffic-Violation-Detection-System.pdf</a:t>
                       </a:r>
-                      <a:endParaRPr lang="en-US" dirty="0"/>
+                      <a:endParaRPr lang="en-US" sz="1400" dirty="0"/>
                     </a:p>
                   </a:txBody>
-                  <a:tcPr/>
+                  <a:tcPr marL="44957" marR="44957"/>
                 </a:tc>
                 <a:tc>
                   <a:txBody>
@@ -4648,13 +5080,17 @@
                     <a:lstStyle/>
                     <a:p>
                       <a:r>
-                        <a:rPr lang="en-US" dirty="0" smtClean="0"/>
-                        <a:t>Summary</a:t>
+                        <a:rPr lang="en-US" sz="1800" dirty="0" smtClean="0"/>
+                        <a:t>Not Detail</a:t>
                       </a:r>
-                      <a:endParaRPr lang="en-US" dirty="0"/>
+                      <a:r>
+                        <a:rPr lang="en-US" sz="1800" baseline="0" dirty="0" smtClean="0"/>
+                        <a:t> explanation. </a:t>
+                      </a:r>
+                      <a:endParaRPr lang="en-US" sz="1800" dirty="0"/>
                     </a:p>
                   </a:txBody>
-                  <a:tcPr/>
+                  <a:tcPr marL="44957" marR="44957"/>
                 </a:tc>
                 <a:tc>
                   <a:txBody>
@@ -4662,33 +5098,29 @@
                     <a:lstStyle/>
                     <a:p>
                       <a:r>
-                        <a:rPr lang="en-US" dirty="0" smtClean="0"/>
-                        <a:t>Why</a:t>
+                        <a:rPr lang="en-US" sz="1800" dirty="0" smtClean="0"/>
+                        <a:t>Poor documentation.</a:t>
                       </a:r>
-                      <a:r>
-                        <a:rPr lang="en-US" baseline="0" dirty="0" smtClean="0"/>
-                        <a:t> it not matching our need</a:t>
-                      </a:r>
-                      <a:endParaRPr lang="en-US" dirty="0"/>
+                      <a:endParaRPr lang="en-US" sz="1800" dirty="0"/>
                     </a:p>
                   </a:txBody>
-                  <a:tcPr/>
+                  <a:tcPr marL="44957" marR="44957"/>
                 </a:tc>
               </a:tr>
-              <a:tr h="370840">
+              <a:tr h="1669371">
                 <a:tc>
                   <a:txBody>
                     <a:bodyPr/>
                     <a:lstStyle/>
                     <a:p>
                       <a:r>
-                        <a:rPr lang="en-US" dirty="0" smtClean="0"/>
-                        <a:t>Traffic Violation Detection System </a:t>
+                        <a:rPr lang="en-US" sz="1800" dirty="0" smtClean="0"/>
+                        <a:t>Computer Vision Based Approach for Traffic Violation Detection</a:t>
                       </a:r>
-                      <a:endParaRPr lang="en-US" dirty="0"/>
+                      <a:endParaRPr lang="en-US" sz="1800" dirty="0"/>
                     </a:p>
                   </a:txBody>
-                  <a:tcPr/>
+                  <a:tcPr marL="44957" marR="44957"/>
                 </a:tc>
                 <a:tc>
                   <a:txBody>
@@ -4696,13 +5128,13 @@
                     <a:lstStyle/>
                     <a:p>
                       <a:r>
-                        <a:rPr lang="en-US" dirty="0" smtClean="0"/>
-                        <a:t>https://journals.sjp.ac.lk/index.php/contre/article/view/7390/5270</a:t>
+                        <a:rPr lang="en-US" sz="1800" dirty="0" smtClean="0"/>
+                        <a:t>http://ir.kdu.ac.lk/bitstream/handle/345/2953/FOC%20136-139.pdf?sequence=1&amp;isAllowed=y</a:t>
                       </a:r>
-                      <a:endParaRPr lang="en-US" dirty="0"/>
+                      <a:endParaRPr lang="en-US" sz="1800" dirty="0"/>
                     </a:p>
                   </a:txBody>
-                  <a:tcPr/>
+                  <a:tcPr marL="44957" marR="44957"/>
                 </a:tc>
                 <a:tc>
                   <a:txBody>
@@ -4710,13 +5142,13 @@
                     <a:lstStyle/>
                     <a:p>
                       <a:r>
-                        <a:rPr lang="en-US" dirty="0" smtClean="0"/>
-                        <a:t>This was based on CCTV fix position camera</a:t>
+                        <a:rPr lang="en-US" sz="1800" dirty="0" smtClean="0"/>
+                        <a:t>This is based on the mathematical modeling of computer vision-based detection</a:t>
                       </a:r>
-                      <a:endParaRPr lang="en-US" dirty="0"/>
+                      <a:endParaRPr lang="en-US" sz="1800" dirty="0"/>
                     </a:p>
                   </a:txBody>
-                  <a:tcPr/>
+                  <a:tcPr marL="44957" marR="44957"/>
                 </a:tc>
                 <a:tc>
                   <a:txBody>
@@ -4724,141 +5156,13 @@
                     <a:lstStyle/>
                     <a:p>
                       <a:r>
-                        <a:rPr lang="en-US" dirty="0" smtClean="0"/>
-                        <a:t>Not addressed dynamic nature of the video.</a:t>
+                        <a:rPr lang="en-US" sz="1800" dirty="0" smtClean="0"/>
+                        <a:t>Lack of deep learning accuracy and challenging environmental conditions</a:t>
                       </a:r>
-                      <a:endParaRPr lang="en-US" dirty="0"/>
+                      <a:endParaRPr lang="en-US" sz="1800" dirty="0"/>
                     </a:p>
                   </a:txBody>
-                  <a:tcPr/>
-                </a:tc>
-              </a:tr>
-              <a:tr h="370840">
-                <a:tc>
-                  <a:txBody>
-                    <a:bodyPr/>
-                    <a:lstStyle/>
-                    <a:p>
-                      <a:r>
-                        <a:rPr lang="en-US" dirty="0" smtClean="0"/>
-                        <a:t>Researc</a:t>
-                      </a:r>
-                      <a:r>
-                        <a:rPr lang="en-US" baseline="0" dirty="0" smtClean="0"/>
-                        <a:t>h from </a:t>
-                      </a:r>
-                      <a:r>
-                        <a:rPr lang="en-US" baseline="0" dirty="0" err="1" smtClean="0"/>
-                        <a:t>sliit</a:t>
-                      </a:r>
-                      <a:endParaRPr lang="en-US" dirty="0"/>
-                    </a:p>
-                  </a:txBody>
-                  <a:tcPr/>
-                </a:tc>
-                <a:tc>
-                  <a:txBody>
-                    <a:bodyPr/>
-                    <a:lstStyle/>
-                    <a:p>
-                      <a:endParaRPr lang="en-US" dirty="0"/>
-                    </a:p>
-                  </a:txBody>
-                  <a:tcPr/>
-                </a:tc>
-                <a:tc>
-                  <a:txBody>
-                    <a:bodyPr/>
-                    <a:lstStyle/>
-                    <a:p>
-                      <a:r>
-                        <a:rPr lang="en-US" dirty="0" smtClean="0"/>
-                        <a:t>Not Detail</a:t>
-                      </a:r>
-                      <a:r>
-                        <a:rPr lang="en-US" baseline="0" dirty="0" smtClean="0"/>
-                        <a:t> explanation </a:t>
-                      </a:r>
-                      <a:endParaRPr lang="en-US" dirty="0"/>
-                    </a:p>
-                  </a:txBody>
-                  <a:tcPr/>
-                </a:tc>
-                <a:tc>
-                  <a:txBody>
-                    <a:bodyPr/>
-                    <a:lstStyle/>
-                    <a:p>
-                      <a:endParaRPr lang="en-US" dirty="0"/>
-                    </a:p>
-                  </a:txBody>
-                  <a:tcPr/>
-                </a:tc>
-              </a:tr>
-              <a:tr h="370840">
-                <a:tc>
-                  <a:txBody>
-                    <a:bodyPr/>
-                    <a:lstStyle/>
-                    <a:p>
-                      <a:r>
-                        <a:rPr lang="en-US" dirty="0" smtClean="0"/>
-                        <a:t>Computer Vision Based Approach for Traffic Violation Detection</a:t>
-                      </a:r>
-                      <a:endParaRPr lang="en-US" dirty="0"/>
-                    </a:p>
-                  </a:txBody>
-                  <a:tcPr/>
-                </a:tc>
-                <a:tc>
-                  <a:txBody>
-                    <a:bodyPr/>
-                    <a:lstStyle/>
-                    <a:p>
-                      <a:r>
-                        <a:rPr lang="en-US" dirty="0" smtClean="0"/>
-                        <a:t>http://ir.kdu.ac.lk/bitstream/handle/345/2953/FOC%20136-139.pdf?sequence=1&amp;isAllowed=y</a:t>
-                      </a:r>
-                      <a:endParaRPr lang="en-US" dirty="0"/>
-                    </a:p>
-                  </a:txBody>
-                  <a:tcPr/>
-                </a:tc>
-                <a:tc>
-                  <a:txBody>
-                    <a:bodyPr/>
-                    <a:lstStyle/>
-                    <a:p>
-                      <a:r>
-                        <a:rPr lang="en-US" dirty="0" smtClean="0"/>
-                        <a:t>This is based on mathematical modeling of computer vision based violation</a:t>
-                      </a:r>
-                      <a:r>
-                        <a:rPr lang="en-US" baseline="0" dirty="0" smtClean="0"/>
-                        <a:t> detection</a:t>
-                      </a:r>
-                      <a:endParaRPr lang="en-US" dirty="0"/>
-                    </a:p>
-                  </a:txBody>
-                  <a:tcPr/>
-                </a:tc>
-                <a:tc>
-                  <a:txBody>
-                    <a:bodyPr/>
-                    <a:lstStyle/>
-                    <a:p>
-                      <a:r>
-                        <a:rPr lang="en-US" dirty="0" smtClean="0"/>
-                        <a:t>Lack of Deep learning accuracies</a:t>
-                      </a:r>
-                      <a:r>
-                        <a:rPr lang="en-US" baseline="0" dirty="0" smtClean="0"/>
-                        <a:t> and challenging environment conditions</a:t>
-                      </a:r>
-                      <a:endParaRPr lang="en-US" dirty="0"/>
-                    </a:p>
-                  </a:txBody>
-                  <a:tcPr/>
+                  <a:tcPr marL="44957" marR="44957"/>
                 </a:tc>
               </a:tr>
             </a:tbl>
@@ -4912,110 +5216,493 @@
           <a:p>
             <a:r>
               <a:rPr lang="en-US" b="1" dirty="0"/>
-              <a:t>Methodology</a:t>
-            </a:r>
-            <a:endParaRPr lang="en-US" b="1" dirty="0"/>
-          </a:p>
-        </p:txBody>
-      </p:sp>
-      <p:sp>
-        <p:nvSpPr>
-          <p:cNvPr id="3" name="Content Placeholder 2"/>
-          <p:cNvSpPr>
-            <a:spLocks noGrp="1"/>
-          </p:cNvSpPr>
-          <p:nvPr>
-            <p:ph idx="1"/>
-          </p:nvPr>
-        </p:nvSpPr>
-        <p:spPr/>
-        <p:txBody>
-          <a:bodyPr anchor="t">
-            <a:normAutofit/>
-          </a:bodyPr>
-          <a:lstStyle/>
-          <a:p>
-            <a:r>
-              <a:rPr lang="en-US" dirty="0"/>
-              <a:t>Most of the traffic violations are comes with vehicle dash cameras and it dynamic</a:t>
-            </a:r>
-            <a:r>
-              <a:rPr lang="en-US" dirty="0" smtClean="0"/>
-              <a:t>.</a:t>
-            </a:r>
-          </a:p>
-          <a:p>
-            <a:r>
-              <a:rPr lang="en-US" dirty="0" smtClean="0"/>
-              <a:t>Due to advancement on DL technology on Autonomous driving there are lot of existing DL are available.</a:t>
-            </a:r>
-            <a:endParaRPr lang="en-US" dirty="0"/>
-          </a:p>
-          <a:p>
-            <a:r>
-              <a:rPr lang="en-US" dirty="0" smtClean="0"/>
-              <a:t>Illegal Lane change detection:</a:t>
-            </a:r>
-          </a:p>
-          <a:p>
-            <a:pPr lvl="1"/>
-            <a:r>
-              <a:rPr lang="en-US" dirty="0" smtClean="0"/>
-              <a:t>We have very short timeline and with scope consideration we try to address this lane violation detection with </a:t>
-            </a:r>
-            <a:br>
-              <a:rPr lang="en-US" dirty="0" smtClean="0"/>
-            </a:br>
-            <a:r>
-              <a:rPr lang="en-US" dirty="0" smtClean="0"/>
-              <a:t>lane detection + vehicle position to detect the violation.</a:t>
-            </a:r>
-          </a:p>
-          <a:p>
-            <a:pPr lvl="1"/>
-            <a:r>
-              <a:rPr lang="en-US" dirty="0" smtClean="0"/>
-              <a:t>Fine tune existing lane detection model applicable for sir Lankan roads.</a:t>
-            </a:r>
-          </a:p>
-          <a:p>
-            <a:pPr lvl="1"/>
-            <a:r>
-              <a:rPr lang="en-US" dirty="0" smtClean="0"/>
-              <a:t>Tools: </a:t>
-            </a:r>
-            <a:r>
-              <a:rPr lang="en-US" b="1" u="sng" dirty="0" err="1" smtClean="0">
-                <a:hlinkClick r:id="rId2"/>
-              </a:rPr>
-              <a:t>LVLane</a:t>
-            </a:r>
-            <a:r>
-              <a:rPr lang="en-US" dirty="0" smtClean="0"/>
-              <a:t> (Spatial CNN variation </a:t>
-            </a:r>
-            <a:r>
-              <a:rPr lang="en-US" dirty="0"/>
-              <a:t>| </a:t>
-            </a:r>
-            <a:r>
-              <a:rPr lang="en-US" dirty="0" err="1"/>
-              <a:t>pytorch</a:t>
-            </a:r>
-            <a:r>
-              <a:rPr lang="en-US" dirty="0" smtClean="0"/>
-              <a:t>)</a:t>
-            </a:r>
-          </a:p>
-          <a:p>
-            <a:endParaRPr lang="en-US" dirty="0"/>
-          </a:p>
-        </p:txBody>
-      </p:sp>
+              <a:t> Literature Review </a:t>
+            </a:r>
+            <a:r>
+              <a:rPr lang="en-US" b="1" dirty="0" smtClean="0"/>
+              <a:t>Summary (Lane detection)</a:t>
+            </a:r>
+            <a:endParaRPr lang="en-US" dirty="0"/>
+          </a:p>
+        </p:txBody>
+      </p:sp>
+      <p:graphicFrame>
+        <p:nvGraphicFramePr>
+          <p:cNvPr id="4" name="Content Placeholder 3"/>
+          <p:cNvGraphicFramePr>
+            <a:graphicFrameLocks noGrp="1"/>
+          </p:cNvGraphicFramePr>
+          <p:nvPr>
+            <p:ph sz="half" idx="1"/>
+            <p:extLst>
+              <p:ext uri="{D42A27DB-BD31-4B8C-83A1-F6EECF244321}">
+                <p14:modId xmlns:p14="http://schemas.microsoft.com/office/powerpoint/2010/main" val="3320306216"/>
+              </p:ext>
+            </p:extLst>
+          </p:nvPr>
+        </p:nvGraphicFramePr>
+        <p:xfrm>
+          <a:off x="441492" y="2063011"/>
+          <a:ext cx="11267907" cy="4549364"/>
+        </p:xfrm>
+        <a:graphic>
+          <a:graphicData uri="http://schemas.openxmlformats.org/drawingml/2006/table">
+            <a:tbl>
+              <a:tblPr firstRow="1" bandRow="1">
+                <a:tableStyleId>{5C22544A-7EE6-4342-B048-85BDC9FD1C3A}</a:tableStyleId>
+              </a:tblPr>
+              <a:tblGrid>
+                <a:gridCol w="1125173"/>
+                <a:gridCol w="1674675"/>
+                <a:gridCol w="5442693"/>
+                <a:gridCol w="3025366"/>
+              </a:tblGrid>
+              <a:tr h="365610">
+                <a:tc>
+                  <a:txBody>
+                    <a:bodyPr/>
+                    <a:lstStyle/>
+                    <a:p>
+                      <a:r>
+                        <a:rPr lang="en-US" sz="1400" dirty="0" smtClean="0"/>
+                        <a:t>Topic</a:t>
+                      </a:r>
+                      <a:endParaRPr lang="en-US" sz="1400" dirty="0"/>
+                    </a:p>
+                  </a:txBody>
+                  <a:tcPr marL="44957" marR="44957"/>
+                </a:tc>
+                <a:tc>
+                  <a:txBody>
+                    <a:bodyPr/>
+                    <a:lstStyle/>
+                    <a:p>
+                      <a:r>
+                        <a:rPr lang="en-US" sz="1400" dirty="0" smtClean="0"/>
+                        <a:t>link</a:t>
+                      </a:r>
+                      <a:endParaRPr lang="en-US" sz="1400" dirty="0"/>
+                    </a:p>
+                  </a:txBody>
+                  <a:tcPr marL="44957" marR="44957"/>
+                </a:tc>
+                <a:tc>
+                  <a:txBody>
+                    <a:bodyPr/>
+                    <a:lstStyle/>
+                    <a:p>
+                      <a:r>
+                        <a:rPr lang="en-US" sz="1400" dirty="0" smtClean="0"/>
+                        <a:t>Summary</a:t>
+                      </a:r>
+                      <a:endParaRPr lang="en-US" sz="1400" dirty="0"/>
+                    </a:p>
+                  </a:txBody>
+                  <a:tcPr marL="44957" marR="44957"/>
+                </a:tc>
+                <a:tc>
+                  <a:txBody>
+                    <a:bodyPr/>
+                    <a:lstStyle/>
+                    <a:p>
+                      <a:r>
+                        <a:rPr lang="en-US" sz="1400" dirty="0" smtClean="0"/>
+                        <a:t>Why</a:t>
+                      </a:r>
+                      <a:r>
+                        <a:rPr lang="en-US" sz="1400" baseline="0" dirty="0" smtClean="0"/>
+                        <a:t> it not matching our need</a:t>
+                      </a:r>
+                      <a:endParaRPr lang="en-US" sz="1400" dirty="0"/>
+                    </a:p>
+                  </a:txBody>
+                  <a:tcPr marL="44957" marR="44957"/>
+                </a:tc>
+              </a:tr>
+              <a:tr h="1135754">
+                <a:tc>
+                  <a:txBody>
+                    <a:bodyPr/>
+                    <a:lstStyle/>
+                    <a:p>
+                      <a:r>
+                        <a:rPr lang="en-US" sz="1400" dirty="0" smtClean="0"/>
+                        <a:t>SCNN</a:t>
+                      </a:r>
+                      <a:endParaRPr lang="en-US" sz="1400" dirty="0"/>
+                    </a:p>
+                  </a:txBody>
+                  <a:tcPr marL="44957" marR="44957"/>
+                </a:tc>
+                <a:tc>
+                  <a:txBody>
+                    <a:bodyPr/>
+                    <a:lstStyle/>
+                    <a:p>
+                      <a:r>
+                        <a:rPr lang="en-US" sz="1000" dirty="0" smtClean="0"/>
+                        <a:t>https://github.com/XingangPan/SCNN</a:t>
+                      </a:r>
+                      <a:endParaRPr lang="en-US" sz="1000" dirty="0"/>
+                    </a:p>
+                  </a:txBody>
+                  <a:tcPr marL="44957" marR="44957"/>
+                </a:tc>
+                <a:tc>
+                  <a:txBody>
+                    <a:bodyPr/>
+                    <a:lstStyle/>
+                    <a:p>
+                      <a:r>
+                        <a:rPr lang="en-US" sz="1400" dirty="0" smtClean="0"/>
+                        <a:t>This is a common lane detection method.</a:t>
+                      </a:r>
+                      <a:r>
+                        <a:rPr lang="en-US" sz="1400" baseline="0" dirty="0" smtClean="0"/>
+                        <a:t>.</a:t>
+                      </a:r>
+                    </a:p>
+                    <a:p>
+                      <a:r>
+                        <a:rPr lang="en-US" sz="1400" dirty="0" smtClean="0"/>
+                        <a:t>Like a base library for the lane detection neural networks</a:t>
+                      </a:r>
+                      <a:r>
+                        <a:rPr lang="en-US" sz="1400" baseline="0" dirty="0" smtClean="0"/>
+                        <a:t>.</a:t>
+                      </a:r>
+                    </a:p>
+                    <a:p>
+                      <a:r>
+                        <a:rPr lang="en-US" sz="1400" dirty="0" smtClean="0"/>
+                        <a:t>This is based on a CNN</a:t>
+                      </a:r>
+                      <a:r>
+                        <a:rPr lang="en-US" sz="1400" baseline="0" dirty="0" smtClean="0"/>
+                        <a:t>.</a:t>
+                      </a:r>
+                    </a:p>
+                    <a:p>
+                      <a:r>
+                        <a:rPr lang="en-US" sz="1400" dirty="0" smtClean="0"/>
+                        <a:t>All below are derived from this library.</a:t>
+                      </a:r>
+                      <a:endParaRPr lang="en-US" sz="1400" dirty="0"/>
+                    </a:p>
+                  </a:txBody>
+                  <a:tcPr marL="44957" marR="44957"/>
+                </a:tc>
+                <a:tc>
+                  <a:txBody>
+                    <a:bodyPr/>
+                    <a:lstStyle/>
+                    <a:p>
+                      <a:r>
+                        <a:rPr lang="en-US" sz="1400" dirty="0" smtClean="0"/>
+                        <a:t>Old and lacks lane type detection support.</a:t>
+                      </a:r>
+                    </a:p>
+                  </a:txBody>
+                  <a:tcPr marL="44957" marR="44957"/>
+                </a:tc>
+              </a:tr>
+              <a:tr h="717318">
+                <a:tc>
+                  <a:txBody>
+                    <a:bodyPr/>
+                    <a:lstStyle/>
+                    <a:p>
+                      <a:r>
+                        <a:rPr lang="en-US" sz="1400" dirty="0" smtClean="0"/>
+                        <a:t>Ultra-Fast-Lane-Detection</a:t>
+                      </a:r>
+                      <a:endParaRPr lang="en-US" sz="1400" dirty="0"/>
+                    </a:p>
+                  </a:txBody>
+                  <a:tcPr marL="44957" marR="44957"/>
+                </a:tc>
+                <a:tc>
+                  <a:txBody>
+                    <a:bodyPr/>
+                    <a:lstStyle/>
+                    <a:p>
+                      <a:r>
+                        <a:rPr lang="en-US" sz="1000" dirty="0" smtClean="0"/>
+                        <a:t>https://github.com/cfzd/Ultra-Fast-Lane-Detection/tree/master</a:t>
+                      </a:r>
+                      <a:endParaRPr lang="en-US" sz="1000" dirty="0"/>
+                    </a:p>
+                  </a:txBody>
+                  <a:tcPr marL="44957" marR="44957"/>
+                </a:tc>
+                <a:tc>
+                  <a:txBody>
+                    <a:bodyPr/>
+                    <a:lstStyle/>
+                    <a:p>
+                      <a:r>
+                        <a:rPr lang="en-US" sz="1400" dirty="0" smtClean="0"/>
+                        <a:t>In the beginning, I used this repo and built on it, but later switched to </a:t>
+                      </a:r>
+                      <a:r>
+                        <a:rPr lang="en-US" sz="1400" dirty="0" err="1" smtClean="0"/>
+                        <a:t>LVLane</a:t>
+                      </a:r>
+                      <a:r>
+                        <a:rPr lang="en-US" sz="1400" dirty="0" smtClean="0"/>
+                        <a:t> due to unsupported lane types</a:t>
+                      </a:r>
+                      <a:r>
+                        <a:rPr lang="en-US" sz="1400" baseline="0" dirty="0" smtClean="0"/>
+                        <a:t>.</a:t>
+                      </a:r>
+                      <a:endParaRPr lang="en-US" sz="1400" dirty="0"/>
+                    </a:p>
+                  </a:txBody>
+                  <a:tcPr marL="44957" marR="44957"/>
+                </a:tc>
+                <a:tc>
+                  <a:txBody>
+                    <a:bodyPr/>
+                    <a:lstStyle/>
+                    <a:p>
+                      <a:r>
+                        <a:rPr lang="en-US" sz="1400" dirty="0" smtClean="0"/>
+                        <a:t>On the positive side, this is super fast</a:t>
+                      </a:r>
+                      <a:r>
+                        <a:rPr lang="en-US" sz="1400" baseline="0" dirty="0" smtClean="0"/>
+                        <a:t>.</a:t>
+                      </a:r>
+                    </a:p>
+                    <a:p>
+                      <a:r>
+                        <a:rPr lang="en-US" sz="1400" baseline="0" dirty="0" smtClean="0"/>
+                        <a:t>Good accuracy.</a:t>
+                      </a:r>
+                    </a:p>
+                    <a:p>
+                      <a:r>
+                        <a:rPr lang="en-US" sz="1400" dirty="0" smtClean="0"/>
+                        <a:t>No lane type categorization support</a:t>
+                      </a:r>
+                      <a:r>
+                        <a:rPr lang="en-US" sz="1400" baseline="0" dirty="0" smtClean="0"/>
+                        <a:t>.</a:t>
+                      </a:r>
+                      <a:endParaRPr lang="en-US" sz="1400" dirty="0"/>
+                    </a:p>
+                  </a:txBody>
+                  <a:tcPr marL="44957" marR="44957"/>
+                </a:tc>
+              </a:tr>
+              <a:tr h="926536">
+                <a:tc>
+                  <a:txBody>
+                    <a:bodyPr/>
+                    <a:lstStyle/>
+                    <a:p>
+                      <a:r>
+                        <a:rPr lang="en-US" sz="1400" dirty="0" smtClean="0"/>
+                        <a:t>Fast lane variation</a:t>
+                      </a:r>
+                      <a:endParaRPr lang="en-US" sz="1400" dirty="0"/>
+                    </a:p>
+                  </a:txBody>
+                  <a:tcPr marL="44957" marR="44957"/>
+                </a:tc>
+                <a:tc>
+                  <a:txBody>
+                    <a:bodyPr/>
+                    <a:lstStyle/>
+                    <a:p>
+                      <a:r>
+                        <a:rPr lang="en-US" sz="1000" dirty="0" smtClean="0"/>
+                        <a:t>https://github.com/yichenchan/Ultra-Fast-Lane-Detection-Attributes</a:t>
+                      </a:r>
+                      <a:endParaRPr lang="en-US" sz="1000" dirty="0"/>
+                    </a:p>
+                  </a:txBody>
+                  <a:tcPr marL="44957" marR="44957"/>
+                </a:tc>
+                <a:tc>
+                  <a:txBody>
+                    <a:bodyPr/>
+                    <a:lstStyle/>
+                    <a:p>
+                      <a:r>
+                        <a:rPr lang="en-US" sz="1400" dirty="0" smtClean="0"/>
+                        <a:t>This is a variation of Fast Lane, but it is not well-documented and is much more complex.</a:t>
+                      </a:r>
+                      <a:endParaRPr lang="en-US" sz="1400" dirty="0"/>
+                    </a:p>
+                  </a:txBody>
+                  <a:tcPr marL="44957" marR="44957"/>
+                </a:tc>
+                <a:tc>
+                  <a:txBody>
+                    <a:bodyPr/>
+                    <a:lstStyle/>
+                    <a:p>
+                      <a:r>
+                        <a:rPr lang="en-US" sz="1400" dirty="0" smtClean="0"/>
+                        <a:t>Not</a:t>
+                      </a:r>
+                      <a:r>
+                        <a:rPr lang="en-US" sz="1400" baseline="0" dirty="0" smtClean="0"/>
+                        <a:t> tool rich.</a:t>
+                      </a:r>
+                    </a:p>
+                    <a:p>
+                      <a:r>
+                        <a:rPr lang="en-US" sz="1400" baseline="0" dirty="0" smtClean="0"/>
+                        <a:t>Complex.</a:t>
+                      </a:r>
+                    </a:p>
+                    <a:p>
+                      <a:r>
+                        <a:rPr lang="en-US" sz="1400" baseline="0" dirty="0" smtClean="0"/>
+                        <a:t>Not well documented.(Repo also in Chinese)</a:t>
+                      </a:r>
+                      <a:endParaRPr lang="en-US" sz="1400" dirty="0"/>
+                    </a:p>
+                  </a:txBody>
+                  <a:tcPr marL="44957" marR="44957"/>
+                </a:tc>
+              </a:tr>
+              <a:tr h="1344971">
+                <a:tc>
+                  <a:txBody>
+                    <a:bodyPr/>
+                    <a:lstStyle/>
+                    <a:p>
+                      <a:r>
+                        <a:rPr lang="en-US" sz="1400" dirty="0" smtClean="0"/>
+                        <a:t>LVLANE</a:t>
+                      </a:r>
+                      <a:endParaRPr lang="en-US" sz="1400" dirty="0"/>
+                    </a:p>
+                  </a:txBody>
+                  <a:tcPr marL="44957" marR="44957"/>
+                </a:tc>
+                <a:tc>
+                  <a:txBody>
+                    <a:bodyPr/>
+                    <a:lstStyle/>
+                    <a:p>
+                      <a:r>
+                        <a:rPr lang="en-US" sz="1000" dirty="0" smtClean="0"/>
+                        <a:t>https://github.com/zillur-av/LVLane</a:t>
+                      </a:r>
+                      <a:endParaRPr lang="en-US" sz="1000" dirty="0"/>
+                    </a:p>
+                  </a:txBody>
+                  <a:tcPr marL="44957" marR="44957"/>
+                </a:tc>
+                <a:tc>
+                  <a:txBody>
+                    <a:bodyPr/>
+                    <a:lstStyle/>
+                    <a:p>
+                      <a:r>
+                        <a:rPr lang="en-US" sz="1400" dirty="0" smtClean="0"/>
+                        <a:t>Supports lane type detection</a:t>
+                      </a:r>
+                    </a:p>
+                    <a:p>
+                      <a:r>
+                        <a:rPr lang="en-US" sz="1400" dirty="0" smtClean="0"/>
+                        <a:t>Well-documented.</a:t>
+                      </a:r>
+                      <a:endParaRPr lang="en-US" sz="1400" baseline="0" dirty="0" smtClean="0"/>
+                    </a:p>
+                    <a:p>
+                      <a:r>
+                        <a:rPr lang="en-US" sz="1400" dirty="0" smtClean="0"/>
+                        <a:t>Rich toolset for the ecosystem</a:t>
+                      </a:r>
+                      <a:endParaRPr lang="en-US" sz="1400" baseline="0" dirty="0" smtClean="0"/>
+                    </a:p>
+                    <a:p>
+                      <a:r>
+                        <a:rPr lang="en-US" sz="1400" dirty="0" smtClean="0"/>
+                        <a:t>Fairly well reproducible</a:t>
+                      </a:r>
+                      <a:r>
+                        <a:rPr lang="en-US" sz="1400" baseline="0" dirty="0" smtClean="0"/>
+                        <a:t>.</a:t>
+                      </a:r>
+                    </a:p>
+                    <a:p>
+                      <a:pPr marL="0" marR="0" lvl="0" indent="0" algn="l" defTabSz="457200" rtl="0" eaLnBrk="1" fontAlgn="auto" latinLnBrk="0" hangingPunct="1">
+                        <a:lnSpc>
+                          <a:spcPct val="100000"/>
+                        </a:lnSpc>
+                        <a:spcBef>
+                          <a:spcPts val="0"/>
+                        </a:spcBef>
+                        <a:spcAft>
+                          <a:spcPts val="0"/>
+                        </a:spcAft>
+                        <a:buClrTx/>
+                        <a:buSzTx/>
+                        <a:buFontTx/>
+                        <a:buNone/>
+                        <a:tabLst/>
+                        <a:defRPr/>
+                      </a:pPr>
+                      <a:r>
+                        <a:rPr lang="en-US" sz="1400" dirty="0" smtClean="0"/>
+                        <a:t>Pitfall: Not as accurate as </a:t>
+                      </a:r>
+                      <a:r>
+                        <a:rPr lang="en-US" sz="1400" dirty="0" err="1" smtClean="0"/>
+                        <a:t>FastLane</a:t>
+                      </a:r>
+                      <a:r>
+                        <a:rPr lang="en-US" sz="1400" dirty="0" smtClean="0"/>
+                        <a:t>, but this can be mitigated with fine-tuning</a:t>
+                      </a:r>
+                      <a:endParaRPr lang="en-US" sz="1400" dirty="0"/>
+                    </a:p>
+                  </a:txBody>
+                  <a:tcPr marL="44957" marR="44957"/>
+                </a:tc>
+                <a:tc>
+                  <a:txBody>
+                    <a:bodyPr/>
+                    <a:lstStyle/>
+                    <a:p>
+                      <a:r>
+                        <a:rPr lang="en-US" sz="1400" baseline="0" dirty="0" smtClean="0"/>
+                        <a:t>TBD. (currently going with this) </a:t>
+                      </a:r>
+                      <a:r>
+                        <a:rPr lang="en-US" sz="1400" baseline="0" dirty="0" smtClean="0">
+                          <a:sym typeface="Wingdings" panose="05000000000000000000" pitchFamily="2" charset="2"/>
+                        </a:rPr>
+                        <a:t></a:t>
+                      </a:r>
+                    </a:p>
+                    <a:p>
+                      <a:r>
+                        <a:rPr lang="en-US" sz="1400" dirty="0" smtClean="0"/>
+                        <a:t>Fairly new; I was the second to fork it.</a:t>
+                      </a:r>
+                      <a:endParaRPr lang="en-US" sz="1400" baseline="0" dirty="0" smtClean="0"/>
+                    </a:p>
+                  </a:txBody>
+                  <a:tcPr marL="44957" marR="44957"/>
+                </a:tc>
+              </a:tr>
+            </a:tbl>
+          </a:graphicData>
+        </a:graphic>
+      </p:graphicFrame>
     </p:spTree>
     <p:extLst>
       <p:ext uri="{BB962C8B-B14F-4D97-AF65-F5344CB8AC3E}">
-        <p14:creationId xmlns:p14="http://schemas.microsoft.com/office/powerpoint/2010/main" val="3171804936"/>
+        <p14:creationId xmlns:p14="http://schemas.microsoft.com/office/powerpoint/2010/main" val="3979587110"/>
       </p:ext>
     </p:extLst>
   </p:cSld>
@@ -5061,7 +5748,6 @@
               <a:rPr lang="en-US" b="1" dirty="0"/>
               <a:t>Methodology</a:t>
             </a:r>
-            <a:endParaRPr lang="en-US" b="1" dirty="0"/>
           </a:p>
         </p:txBody>
       </p:sp>
@@ -5083,8 +5769,81 @@
           <a:lstStyle/>
           <a:p>
             <a:r>
+              <a:rPr lang="en-US" dirty="0">
+                <a:solidFill>
+                  <a:srgbClr val="FF0000"/>
+                </a:solidFill>
+              </a:rPr>
+              <a:t>Most traffic violations are captured by vehicle dash cameras, and they are dynamic.</a:t>
+            </a:r>
+            <a:endParaRPr lang="en-US" dirty="0" smtClean="0">
+              <a:solidFill>
+                <a:srgbClr val="FF0000"/>
+              </a:solidFill>
+            </a:endParaRPr>
+          </a:p>
+          <a:p>
+            <a:r>
+              <a:rPr lang="en-US" dirty="0">
+                <a:solidFill>
+                  <a:srgbClr val="FF0000"/>
+                </a:solidFill>
+              </a:rPr>
+              <a:t>Due to advancements in deep learning (DL) technology for autonomous driving, there are many existing DL models </a:t>
+            </a:r>
+            <a:r>
+              <a:rPr lang="en-US" dirty="0" smtClean="0">
+                <a:solidFill>
+                  <a:srgbClr val="FF0000"/>
+                </a:solidFill>
+              </a:rPr>
+              <a:t>available</a:t>
+            </a:r>
+          </a:p>
+          <a:p>
+            <a:r>
+              <a:rPr lang="en-US" smtClean="0">
+                <a:solidFill>
+                  <a:srgbClr val="FF0000"/>
+                </a:solidFill>
+              </a:rPr>
+              <a:t>Passvive vodice</a:t>
+            </a:r>
+            <a:endParaRPr lang="en-US" dirty="0">
+              <a:solidFill>
+                <a:srgbClr val="FF0000"/>
+              </a:solidFill>
+            </a:endParaRPr>
+          </a:p>
+          <a:p>
+            <a:r>
               <a:rPr lang="en-US" dirty="0" smtClean="0"/>
-              <a:t>Lankan roads.</a:t>
+              <a:t>Illegal Lane change detection:</a:t>
+            </a:r>
+          </a:p>
+          <a:p>
+            <a:pPr lvl="1"/>
+            <a:r>
+              <a:rPr lang="en-US" dirty="0" smtClean="0"/>
+              <a:t>We have very short timeline and with scope consideration we try to address this lane violation detection with </a:t>
+            </a:r>
+            <a:br>
+              <a:rPr lang="en-US" dirty="0" smtClean="0"/>
+            </a:br>
+            <a:r>
+              <a:rPr lang="en-US" dirty="0" smtClean="0"/>
+              <a:t>lane detection + vehicle position to detect the violation.</a:t>
+            </a:r>
+          </a:p>
+          <a:p>
+            <a:pPr lvl="1"/>
+            <a:r>
+              <a:rPr lang="en-US" dirty="0"/>
+              <a:t>Fine-tune the existing lane detection model to make it applicable for Sri Lankan </a:t>
+            </a:r>
+            <a:r>
+              <a:rPr lang="en-US" dirty="0" smtClean="0"/>
+              <a:t>roads</a:t>
             </a:r>
           </a:p>
           <a:p>
@@ -5112,61 +5871,60 @@
               <a:t>pytorch</a:t>
             </a:r>
             <a:r>
-              <a:rPr lang="en-US" dirty="0"/>
+              <a:rPr lang="en-US" dirty="0" smtClean="0"/>
               <a:t>)</a:t>
             </a:r>
-            <a:endParaRPr lang="en-US" dirty="0" smtClean="0"/>
-          </a:p>
-          <a:p>
-            <a:r>
-              <a:rPr lang="en-US" dirty="0" smtClean="0"/>
-              <a:t>Helmet not wearing detection.</a:t>
-            </a:r>
-          </a:p>
-          <a:p>
-            <a:pPr lvl="1"/>
-            <a:r>
-              <a:rPr lang="en-US" dirty="0" smtClean="0"/>
-              <a:t>Planned to use YOLO pre trained model and fine tune with transfer learning.</a:t>
-            </a:r>
-          </a:p>
-          <a:p>
-            <a:r>
-              <a:rPr lang="en-US" dirty="0" smtClean="0"/>
-              <a:t>Illegal Parking.</a:t>
-            </a:r>
-          </a:p>
-          <a:p>
-            <a:pPr lvl="1"/>
-            <a:r>
-              <a:rPr lang="en-US" dirty="0"/>
-              <a:t>Planned to use YOLO pre trained model and fine tune with transfer learning.</a:t>
-            </a:r>
-            <a:endParaRPr lang="en-US" dirty="0" smtClean="0"/>
-          </a:p>
-          <a:p>
-            <a:r>
-              <a:rPr lang="en-US" dirty="0" smtClean="0"/>
-              <a:t>Illegal turn without signal light</a:t>
-            </a:r>
-          </a:p>
-          <a:p>
-            <a:pPr lvl="1"/>
-            <a:r>
-              <a:rPr lang="en-US" dirty="0"/>
-              <a:t>Planned to use YOLO pre trained model and fine tune with transfer learning.</a:t>
-            </a:r>
-            <a:endParaRPr lang="en-US" dirty="0" smtClean="0"/>
-          </a:p>
-          <a:p>
-            <a:endParaRPr lang="en-US" dirty="0"/>
-          </a:p>
-        </p:txBody>
-      </p:sp>
+          </a:p>
+          <a:p>
+            <a:endParaRPr lang="en-US" dirty="0"/>
+          </a:p>
+        </p:txBody>
+      </p:sp>
+      <p:pic>
+        <p:nvPicPr>
+          <p:cNvPr id="3074" name="Picture 2" descr="15 Process Management Strategies to ..."/>
+          <p:cNvPicPr>
+            <a:picLocks noChangeAspect="1" noChangeArrowheads="1"/>
+          </p:cNvPicPr>
+          <p:nvPr/>
+        </p:nvPicPr>
+        <p:blipFill>
+          <a:blip r:embed="rId3">
+            <a:extLst>
+              <a:ext uri="{28A0092B-C50C-407E-A947-70E740481C1C}">
+                <a14:useLocalDpi xmlns:a14="http://schemas.microsoft.com/office/drawing/2010/main" val="0"/>
+              </a:ext>
+            </a:extLst>
+          </a:blip>
+          <a:srcRect/>
+          <a:stretch>
+            <a:fillRect/>
+          </a:stretch>
+        </p:blipFill>
+        <p:spPr bwMode="auto">
+          <a:xfrm>
+            <a:off x="8724316" y="609600"/>
+            <a:ext cx="3020010" cy="1194134"/>
+          </a:xfrm>
+          <a:prstGeom prst="rect">
+            <a:avLst/>
+          </a:prstGeom>
+          <a:noFill/>
+          <a:extLst>
+            <a:ext uri="{909E8E84-426E-40DD-AFC4-6F175D3DCCD1}">
+              <a14:hiddenFill xmlns:a14="http://schemas.microsoft.com/office/drawing/2010/main">
+                <a:solidFill>
+                  <a:srgbClr val="FFFFFF"/>
+                </a:solidFill>
+              </a14:hiddenFill>
+            </a:ext>
+          </a:extLst>
+        </p:spPr>
+      </p:pic>
     </p:spTree>
     <p:extLst>
       <p:ext uri="{BB962C8B-B14F-4D97-AF65-F5344CB8AC3E}">
-        <p14:creationId xmlns:p14="http://schemas.microsoft.com/office/powerpoint/2010/main" val="3511719605"/>
+        <p14:creationId xmlns:p14="http://schemas.microsoft.com/office/powerpoint/2010/main" val="3171804936"/>
       </p:ext>
     </p:extLst>
   </p:cSld>
@@ -5209,10 +5967,10 @@
           <a:lstStyle/>
           <a:p>
             <a:r>
-              <a:rPr lang="en-US" b="1" dirty="0"/>
-              <a:t>Progress &amp; Key Findings</a:t>
-            </a:r>
-            <a:endParaRPr lang="en-US" dirty="0"/>
+              <a:rPr lang="en-US" b="1" dirty="0" smtClean="0"/>
+              <a:t>Methodology (Cont.…)</a:t>
+            </a:r>
+            <a:endParaRPr lang="en-US" b="1" dirty="0"/>
           </a:p>
         </p:txBody>
       </p:sp>
@@ -5226,7 +5984,12 @@
             <p:ph idx="1"/>
           </p:nvPr>
         </p:nvSpPr>
-        <p:spPr/>
+        <p:spPr>
+          <a:xfrm>
+            <a:off x="581192" y="2180496"/>
+            <a:ext cx="11029615" cy="3678303"/>
+          </a:xfrm>
+        </p:spPr>
         <p:txBody>
           <a:bodyPr anchor="t">
             <a:normAutofit/>
@@ -5235,52 +5998,46 @@
           <a:p>
             <a:r>
               <a:rPr lang="en-US" dirty="0" smtClean="0"/>
-              <a:t>Initially done with hog transformation for lane detection =&gt; but it not accurate when challenging condition like bend road not fully </a:t>
-            </a:r>
-            <a:r>
-              <a:rPr lang="en-US" dirty="0"/>
-              <a:t>V</a:t>
-            </a:r>
+              <a:t>Video footages are highly dynamic.</a:t>
+            </a:r>
+          </a:p>
+          <a:p>
             <a:r>
               <a:rPr lang="en-US" dirty="0" smtClean="0"/>
-              <a:t>isible. road block by vehicle.</a:t>
-            </a:r>
-          </a:p>
-          <a:p>
+              <a:t>We narrow the scope to conduct research on vehicle dash camera due to following reason.</a:t>
+            </a:r>
+          </a:p>
+          <a:p>
+            <a:pPr lvl="1"/>
             <a:r>
               <a:rPr lang="en-US" dirty="0" smtClean="0"/>
-              <a:t>Then went for DL model for lane detection.</a:t>
-            </a:r>
-          </a:p>
-          <a:p>
+              <a:t>Most of the violations are coming from vehicle dash camera</a:t>
+            </a:r>
+          </a:p>
+          <a:p>
+            <a:pPr lvl="1"/>
             <a:r>
               <a:rPr lang="en-US" dirty="0" smtClean="0"/>
-              <a:t>There were lot of library available for lane detections.</a:t>
-            </a:r>
-          </a:p>
-          <a:p>
-            <a:pPr lvl="1"/>
+              <a:t>Lane detection are highly active area of research due to autonomous drive</a:t>
+            </a:r>
+          </a:p>
+          <a:p>
+            <a:pPr lvl="2"/>
             <a:r>
               <a:rPr lang="en-US" dirty="0" smtClean="0"/>
-              <a:t>Fast-Lane/ SCNN</a:t>
+              <a:t>It easy for us to obtain pre-trained models and fine-tune on Sri Lankan roads.</a:t>
             </a:r>
           </a:p>
           <a:p>
             <a:r>
               <a:rPr lang="en-US" dirty="0" smtClean="0"/>
-              <a:t>But it critical for us to find marching lane type.</a:t>
+              <a:t>Lane Detection is highly critical for this research </a:t>
             </a:r>
           </a:p>
           <a:p>
             <a:r>
               <a:rPr lang="en-US" dirty="0" smtClean="0"/>
-              <a:t>Done intensive way to find a something similar to that one and  where it well documented.</a:t>
-            </a:r>
-          </a:p>
-          <a:p>
-            <a:r>
-              <a:rPr lang="en-US" dirty="0" smtClean="0"/>
-              <a:t>Fond a one and now do some refinement and understanding of that tools to cater for transfer learning.</a:t>
+              <a:t>Conducted advance literature review on the subject to cater our need.</a:t>
             </a:r>
           </a:p>
           <a:p>
@@ -5291,7 +6048,7 @@
     </p:spTree>
     <p:extLst>
       <p:ext uri="{BB962C8B-B14F-4D97-AF65-F5344CB8AC3E}">
-        <p14:creationId xmlns:p14="http://schemas.microsoft.com/office/powerpoint/2010/main" val="2359823755"/>
+        <p14:creationId xmlns:p14="http://schemas.microsoft.com/office/powerpoint/2010/main" val="1070175154"/>
       </p:ext>
     </p:extLst>
   </p:cSld>
@@ -5334,10 +6091,13 @@
           <a:lstStyle/>
           <a:p>
             <a:r>
+              <a:rPr lang="en-US" b="1" dirty="0" smtClean="0"/>
+              <a:t>Methodology (</a:t>
+            </a:r>
+            <a:r>
               <a:rPr lang="en-US" b="1" dirty="0"/>
-              <a:t>Remaining Work &amp; Future-Plans</a:t>
-            </a:r>
-            <a:endParaRPr lang="en-US" dirty="0"/>
+              <a:t>Cont.…)</a:t>
+            </a:r>
           </a:p>
         </p:txBody>
       </p:sp>
@@ -5353,79 +6113,71 @@
         </p:nvSpPr>
         <p:spPr/>
         <p:txBody>
-          <a:bodyPr anchor="t"/>
+          <a:bodyPr anchor="t">
+            <a:normAutofit/>
+          </a:bodyPr>
           <a:lstStyle/>
           <a:p>
             <a:r>
               <a:rPr lang="en-US" dirty="0" smtClean="0"/>
-              <a:t>Most challenging work is lane violation detection. (</a:t>
-            </a:r>
-            <a:r>
-              <a:rPr lang="en-US" dirty="0" smtClean="0">
-                <a:solidFill>
-                  <a:schemeClr val="accent5">
-                    <a:lumMod val="50000"/>
-                  </a:schemeClr>
-                </a:solidFill>
+              <a:t>Lankan roads.</a:t>
+            </a:r>
+          </a:p>
+          <a:p>
+            <a:pPr lvl="1"/>
+            <a:r>
+              <a:rPr lang="en-US" dirty="0" smtClean="0"/>
+              <a:t>Tools: </a:t>
+            </a:r>
+            <a:r>
+              <a:rPr lang="en-US" b="1" u="sng" dirty="0" err="1" smtClean="0">
+                <a:hlinkClick r:id="rId2"/>
               </a:rPr>
-              <a:t> Working Progress</a:t>
+              <a:t>LVLane</a:t>
             </a:r>
             <a:r>
               <a:rPr lang="en-US" dirty="0" smtClean="0"/>
+              <a:t> (Spatial CNN variation </a:t>
+            </a:r>
+            <a:r>
+              <a:rPr lang="en-US" dirty="0"/>
+              <a:t>| </a:t>
+            </a:r>
+            <a:r>
+              <a:rPr lang="en-US" dirty="0" err="1"/>
+              <a:t>pytorch</a:t>
+            </a:r>
+            <a:r>
+              <a:rPr lang="en-US" dirty="0"/>
               <a:t>)</a:t>
             </a:r>
+            <a:endParaRPr lang="en-US" dirty="0" smtClean="0"/>
+          </a:p>
+          <a:p>
+            <a:r>
+              <a:rPr lang="en-US" dirty="0"/>
+              <a:t>Helmet violation </a:t>
+            </a:r>
+            <a:r>
+              <a:rPr lang="en-US" dirty="0" smtClean="0"/>
+              <a:t>detection.</a:t>
+            </a:r>
           </a:p>
           <a:p>
             <a:pPr lvl="1"/>
             <a:r>
+              <a:rPr lang="en-US" dirty="0"/>
+              <a:t>Planned to use a pre-trained YOLO model and fine-tune it with transfer </a:t>
+            </a:r>
+            <a:r>
               <a:rPr lang="en-US" dirty="0" smtClean="0"/>
-              <a:t>Now I start fine-tune it to </a:t>
-            </a:r>
+              <a:t>learning.</a:t>
+            </a:r>
+          </a:p>
+          <a:p>
             <a:r>
               <a:rPr lang="en-US" dirty="0"/>
-              <a:t>S</a:t>
-            </a:r>
-            <a:r>
-              <a:rPr lang="en-US" dirty="0" smtClean="0"/>
-              <a:t>ri Lankan lanes. ( data processing annotation time consuming task..)</a:t>
-            </a:r>
-          </a:p>
-          <a:p>
-            <a:r>
-              <a:rPr lang="en-US" dirty="0" smtClean="0"/>
-              <a:t>Helmet not wearing violation started with YOLO pre existing model need to fine tune that as well. </a:t>
-            </a:r>
-            <a:r>
-              <a:rPr lang="en-US" dirty="0" smtClean="0">
-                <a:solidFill>
-                  <a:schemeClr val="accent5">
-                    <a:lumMod val="50000"/>
-                  </a:schemeClr>
-                </a:solidFill>
-              </a:rPr>
-              <a:t>(Not started)</a:t>
-            </a:r>
-          </a:p>
-          <a:p>
-            <a:r>
-              <a:rPr lang="en-US" dirty="0" smtClean="0"/>
-              <a:t>Illegal parking violation detection. </a:t>
-            </a:r>
-            <a:r>
-              <a:rPr lang="en-US" dirty="0" smtClean="0">
-                <a:solidFill>
-                  <a:schemeClr val="accent5">
-                    <a:lumMod val="50000"/>
-                  </a:schemeClr>
-                </a:solidFill>
-              </a:rPr>
-              <a:t>( Not started)</a:t>
-            </a:r>
-          </a:p>
-          <a:p>
-            <a:r>
-              <a:rPr lang="en-US" dirty="0"/>
-              <a:t>Detecting vehicles turning at junctions without using signal lights</a:t>
+              <a:t>Illegal parking detection</a:t>
             </a:r>
             <a:r>
               <a:rPr lang="en-US" dirty="0" smtClean="0"/>
@@ -5433,24 +6185,39 @@
             </a:r>
           </a:p>
           <a:p>
-            <a:pPr marL="0" indent="0">
-              <a:buNone/>
-            </a:pPr>
+            <a:pPr lvl="1"/>
             <a:r>
               <a:rPr lang="en-US" dirty="0"/>
-              <a:t>(This can be aided by a lane detection model in the previous task)</a:t>
+              <a:t>Planned to use a pre-trained YOLO model and fine-tune it with transfer learning.</a:t>
             </a:r>
             <a:endParaRPr lang="en-US" dirty="0" smtClean="0"/>
           </a:p>
           <a:p>
-            <a:endParaRPr lang="en-US" dirty="0" smtClean="0"/>
+            <a:r>
+              <a:rPr lang="en-US" dirty="0" smtClean="0"/>
+              <a:t>Illegal turn without signal light</a:t>
+            </a:r>
+          </a:p>
+          <a:p>
+            <a:pPr lvl="1"/>
+            <a:r>
+              <a:rPr lang="en-US" dirty="0"/>
+              <a:t>Illegal turn without a turn </a:t>
+            </a:r>
+            <a:r>
+              <a:rPr lang="en-US" dirty="0" smtClean="0"/>
+              <a:t>signal.</a:t>
+            </a:r>
+          </a:p>
+          <a:p>
+            <a:endParaRPr lang="en-US" dirty="0"/>
           </a:p>
         </p:txBody>
       </p:sp>
     </p:spTree>
     <p:extLst>
       <p:ext uri="{BB962C8B-B14F-4D97-AF65-F5344CB8AC3E}">
-        <p14:creationId xmlns:p14="http://schemas.microsoft.com/office/powerpoint/2010/main" val="4088224590"/>
+        <p14:creationId xmlns:p14="http://schemas.microsoft.com/office/powerpoint/2010/main" val="3511719605"/>
       </p:ext>
     </p:extLst>
   </p:cSld>
@@ -5493,43 +6260,153 @@
           <a:lstStyle/>
           <a:p>
             <a:r>
+              <a:rPr lang="en-US" b="1" dirty="0"/>
+              <a:t>Progress &amp; Key </a:t>
+            </a:r>
+            <a:r>
+              <a:rPr lang="en-US" b="1" dirty="0" smtClean="0"/>
+              <a:t>Findings</a:t>
+            </a:r>
+            <a:endParaRPr lang="en-US" dirty="0"/>
+          </a:p>
+        </p:txBody>
+      </p:sp>
+      <p:sp>
+        <p:nvSpPr>
+          <p:cNvPr id="3" name="Content Placeholder 2"/>
+          <p:cNvSpPr>
+            <a:spLocks noGrp="1"/>
+          </p:cNvSpPr>
+          <p:nvPr>
+            <p:ph idx="1"/>
+          </p:nvPr>
+        </p:nvSpPr>
+        <p:spPr/>
+        <p:txBody>
+          <a:bodyPr anchor="t">
+            <a:normAutofit/>
+          </a:bodyPr>
+          <a:lstStyle/>
+          <a:p>
+            <a:r>
               <a:rPr lang="en-US" dirty="0"/>
-              <a:t>Thank you.</a:t>
-            </a:r>
-          </a:p>
-        </p:txBody>
-      </p:sp>
-      <p:sp>
-        <p:nvSpPr>
-          <p:cNvPr id="3" name="Content Placeholder 2"/>
-          <p:cNvSpPr>
-            <a:spLocks noGrp="1"/>
-          </p:cNvSpPr>
-          <p:nvPr>
-            <p:ph idx="1"/>
-          </p:nvPr>
-        </p:nvSpPr>
-        <p:spPr/>
-        <p:txBody>
-          <a:bodyPr/>
-          <a:lstStyle/>
-          <a:p>
+              <a:t>Initially, Hough Transformation</a:t>
+            </a:r>
+            <a:r>
+              <a:rPr lang="en-US" dirty="0" smtClean="0"/>
+              <a:t> </a:t>
+            </a:r>
             <a:r>
               <a:rPr lang="en-US" dirty="0"/>
-              <a:t>Questions and </a:t>
+              <a:t>was used for lane detection, but it is not accurate in challenging conditions, such as curved roads that are not fully visible or roads blocked by vehicles</a:t>
             </a:r>
             <a:r>
               <a:rPr lang="en-US" dirty="0" smtClean="0"/>
-              <a:t>Answer</a:t>
-            </a:r>
-            <a:endParaRPr lang="en-US" dirty="0"/>
-          </a:p>
-        </p:txBody>
-      </p:sp>
+              <a:t>.</a:t>
+            </a:r>
+          </a:p>
+          <a:p>
+            <a:r>
+              <a:rPr lang="en-US" dirty="0"/>
+              <a:t>Then, we switched to a deep learning (DL) model for lane detection</a:t>
+            </a:r>
+            <a:r>
+              <a:rPr lang="en-US" dirty="0" smtClean="0"/>
+              <a:t>.</a:t>
+            </a:r>
+          </a:p>
+          <a:p>
+            <a:r>
+              <a:rPr lang="en-US" dirty="0"/>
+              <a:t>There were many libraries available for lane detection.</a:t>
+            </a:r>
+            <a:r>
+              <a:rPr lang="en-US" dirty="0" smtClean="0"/>
+              <a:t>.</a:t>
+            </a:r>
+          </a:p>
+          <a:p>
+            <a:pPr lvl="1"/>
+            <a:r>
+              <a:rPr lang="en-US" dirty="0" smtClean="0"/>
+              <a:t>Ultra-Fast-Lane/ SCNN/</a:t>
+            </a:r>
+            <a:r>
+              <a:rPr lang="en-US" dirty="0" err="1" smtClean="0"/>
+              <a:t>LVLane</a:t>
+            </a:r>
+            <a:endParaRPr lang="en-US" dirty="0" smtClean="0"/>
+          </a:p>
+          <a:p>
+            <a:r>
+              <a:rPr lang="en-US" dirty="0"/>
+              <a:t>But it is critical for us to find the matching lane </a:t>
+            </a:r>
+            <a:r>
+              <a:rPr lang="en-US" dirty="0" smtClean="0"/>
+              <a:t>type</a:t>
+            </a:r>
+          </a:p>
+          <a:p>
+            <a:r>
+              <a:rPr lang="en-US" dirty="0"/>
+              <a:t>Conducted an intensive search to find something similar to that one, ensuring it is well-documented</a:t>
+            </a:r>
+            <a:endParaRPr lang="en-US" dirty="0" smtClean="0"/>
+          </a:p>
+          <a:p>
+            <a:r>
+              <a:rPr lang="en-US" dirty="0"/>
+              <a:t>Found one and now refining it while understanding the tools to support transfer learning.</a:t>
+            </a:r>
+          </a:p>
+        </p:txBody>
+      </p:sp>
+      <p:pic>
+        <p:nvPicPr>
+          <p:cNvPr id="2054" name="Picture 6" descr="Ultraviolet glowing neon loading progress bar icon with smoke or fog  effect. Bar uploading led sign with flashing light and reflection on wet  floor on a black background. Abstract banner animation 4k."/>
+          <p:cNvPicPr>
+            <a:picLocks noChangeAspect="1" noChangeArrowheads="1"/>
+          </p:cNvPicPr>
+          <p:nvPr/>
+        </p:nvPicPr>
+        <p:blipFill>
+          <a:blip r:embed="rId2">
+            <a:extLst>
+              <a:ext uri="{28A0092B-C50C-407E-A947-70E740481C1C}">
+                <a14:useLocalDpi xmlns:a14="http://schemas.microsoft.com/office/drawing/2010/main" val="0"/>
+              </a:ext>
+            </a:extLst>
+          </a:blip>
+          <a:srcRect/>
+          <a:stretch>
+            <a:fillRect/>
+          </a:stretch>
+        </p:blipFill>
+        <p:spPr bwMode="auto">
+          <a:xfrm>
+            <a:off x="9643311" y="629519"/>
+            <a:ext cx="2060574" cy="1159073"/>
+          </a:xfrm>
+          <a:prstGeom prst="rect">
+            <a:avLst/>
+          </a:prstGeom>
+          <a:noFill/>
+          <a:extLst>
+            <a:ext uri="{909E8E84-426E-40DD-AFC4-6F175D3DCCD1}">
+              <a14:hiddenFill xmlns:a14="http://schemas.microsoft.com/office/drawing/2010/main">
+                <a:solidFill>
+                  <a:srgbClr val="FFFFFF"/>
+                </a:solidFill>
+              </a14:hiddenFill>
+            </a:ext>
+          </a:extLst>
+        </p:spPr>
+      </p:pic>
     </p:spTree>
     <p:extLst>
       <p:ext uri="{BB962C8B-B14F-4D97-AF65-F5344CB8AC3E}">
-        <p14:creationId xmlns:p14="http://schemas.microsoft.com/office/powerpoint/2010/main" val="1409783409"/>
+        <p14:creationId xmlns:p14="http://schemas.microsoft.com/office/powerpoint/2010/main" val="2359823755"/>
       </p:ext>
     </p:extLst>
   </p:cSld>

--- a/DEMO/progress_report.pptx
+++ b/DEMO/progress_report.pptx
@@ -11,11 +11,10 @@
     <p:sldId id="263" r:id="rId5"/>
     <p:sldId id="267" r:id="rId6"/>
     <p:sldId id="264" r:id="rId7"/>
-    <p:sldId id="266" r:id="rId8"/>
-    <p:sldId id="260" r:id="rId9"/>
-    <p:sldId id="261" r:id="rId10"/>
-    <p:sldId id="262" r:id="rId11"/>
-    <p:sldId id="265" r:id="rId12"/>
+    <p:sldId id="260" r:id="rId8"/>
+    <p:sldId id="261" r:id="rId9"/>
+    <p:sldId id="262" r:id="rId10"/>
+    <p:sldId id="265" r:id="rId11"/>
   </p:sldIdLst>
   <p:sldSz cx="12192000" cy="6858000"/>
   <p:notesSz cx="6858000" cy="9144000"/>
@@ -368,7 +367,7 @@
             <a:fld id="{B61BEF0D-F0BB-DE4B-95CE-6DB70DBA9567}" type="datetimeFigureOut">
               <a:rPr lang="en-US" dirty="0"/>
               <a:pPr/>
-              <a:t>2/19/2025</a:t>
+              <a:t>2/20/2025</a:t>
             </a:fld>
             <a:endParaRPr lang="en-US" dirty="0"/>
           </a:p>
@@ -627,7 +626,7 @@
             <a:fld id="{B61BEF0D-F0BB-DE4B-95CE-6DB70DBA9567}" type="datetimeFigureOut">
               <a:rPr lang="en-US" dirty="0"/>
               <a:pPr/>
-              <a:t>2/19/2025</a:t>
+              <a:t>2/20/2025</a:t>
             </a:fld>
             <a:endParaRPr lang="en-US" dirty="0"/>
           </a:p>
@@ -859,7 +858,7 @@
             <a:fld id="{B61BEF0D-F0BB-DE4B-95CE-6DB70DBA9567}" type="datetimeFigureOut">
               <a:rPr lang="en-US" dirty="0"/>
               <a:pPr/>
-              <a:t>2/19/2025</a:t>
+              <a:t>2/20/2025</a:t>
             </a:fld>
             <a:endParaRPr lang="en-US" dirty="0"/>
           </a:p>
@@ -1096,7 +1095,7 @@
             <a:fld id="{B61BEF0D-F0BB-DE4B-95CE-6DB70DBA9567}" type="datetimeFigureOut">
               <a:rPr lang="en-US" dirty="0"/>
               <a:pPr/>
-              <a:t>2/19/2025</a:t>
+              <a:t>2/20/2025</a:t>
             </a:fld>
             <a:endParaRPr lang="en-US" dirty="0"/>
           </a:p>
@@ -1400,7 +1399,7 @@
             <a:fld id="{B61BEF0D-F0BB-DE4B-95CE-6DB70DBA9567}" type="datetimeFigureOut">
               <a:rPr lang="en-US" dirty="0"/>
               <a:pPr/>
-              <a:t>2/19/2025</a:t>
+              <a:t>2/20/2025</a:t>
             </a:fld>
             <a:endParaRPr lang="en-US" dirty="0"/>
           </a:p>
@@ -1699,7 +1698,7 @@
             <a:fld id="{B61BEF0D-F0BB-DE4B-95CE-6DB70DBA9567}" type="datetimeFigureOut">
               <a:rPr lang="en-US" dirty="0"/>
               <a:pPr/>
-              <a:t>2/19/2025</a:t>
+              <a:t>2/20/2025</a:t>
             </a:fld>
             <a:endParaRPr lang="en-US" dirty="0"/>
           </a:p>
@@ -2118,7 +2117,7 @@
             <a:fld id="{B61BEF0D-F0BB-DE4B-95CE-6DB70DBA9567}" type="datetimeFigureOut">
               <a:rPr lang="en-US" dirty="0"/>
               <a:pPr/>
-              <a:t>2/19/2025</a:t>
+              <a:t>2/20/2025</a:t>
             </a:fld>
             <a:endParaRPr lang="en-US" dirty="0"/>
           </a:p>
@@ -2277,7 +2276,7 @@
             <a:fld id="{B61BEF0D-F0BB-DE4B-95CE-6DB70DBA9567}" type="datetimeFigureOut">
               <a:rPr lang="en-US" dirty="0"/>
               <a:pPr/>
-              <a:t>2/19/2025</a:t>
+              <a:t>2/20/2025</a:t>
             </a:fld>
             <a:endParaRPr lang="en-US" dirty="0"/>
           </a:p>
@@ -2369,7 +2368,7 @@
             <a:fld id="{B61BEF0D-F0BB-DE4B-95CE-6DB70DBA9567}" type="datetimeFigureOut">
               <a:rPr lang="en-US" dirty="0"/>
               <a:pPr/>
-              <a:t>2/19/2025</a:t>
+              <a:t>2/20/2025</a:t>
             </a:fld>
             <a:endParaRPr lang="en-US" dirty="0"/>
           </a:p>
@@ -2744,7 +2743,7 @@
             <a:fld id="{B61BEF0D-F0BB-DE4B-95CE-6DB70DBA9567}" type="datetimeFigureOut">
               <a:rPr lang="en-US" dirty="0"/>
               <a:pPr/>
-              <a:t>2/19/2025</a:t>
+              <a:t>2/20/2025</a:t>
             </a:fld>
             <a:endParaRPr lang="en-US" dirty="0"/>
           </a:p>
@@ -3030,7 +3029,7 @@
             <a:fld id="{B61BEF0D-F0BB-DE4B-95CE-6DB70DBA9567}" type="datetimeFigureOut">
               <a:rPr lang="en-US" dirty="0"/>
               <a:pPr/>
-              <a:t>2/19/2025</a:t>
+              <a:t>2/20/2025</a:t>
             </a:fld>
             <a:endParaRPr lang="en-US" dirty="0"/>
           </a:p>
@@ -3238,7 +3237,7 @@
             <a:fld id="{B61BEF0D-F0BB-DE4B-95CE-6DB70DBA9567}" type="datetimeFigureOut">
               <a:rPr lang="en-US" dirty="0"/>
               <a:pPr/>
-              <a:t>2/19/2025</a:t>
+              <a:t>2/20/2025</a:t>
             </a:fld>
             <a:endParaRPr lang="en-US" dirty="0"/>
           </a:p>
@@ -4159,6 +4158,13 @@
   <p:clrMapOvr>
     <a:masterClrMapping/>
   </p:clrMapOvr>
+  <p:timing>
+    <p:tnLst>
+      <p:par>
+        <p:cTn id="1" dur="indefinite" restart="never" nodeType="tmRoot"/>
+      </p:par>
+    </p:tnLst>
+  </p:timing>
 </p:sld>
 </file>
 
@@ -4195,8 +4201,12 @@
           <a:lstStyle/>
           <a:p>
             <a:r>
-              <a:rPr lang="en-US" b="1" dirty="0"/>
-              <a:t>Remaining Work &amp; Future-Plans</a:t>
+              <a:rPr lang="en-US" dirty="0"/>
+              <a:t>Thank </a:t>
+            </a:r>
+            <a:r>
+              <a:rPr lang="en-US" dirty="0" smtClean="0"/>
+              <a:t>you !</a:t>
             </a:r>
             <a:endParaRPr lang="en-US" dirty="0"/>
           </a:p>
@@ -4210,188 +4220,6 @@
           </p:cNvSpPr>
           <p:nvPr>
             <p:ph idx="1"/>
-          </p:nvPr>
-        </p:nvSpPr>
-        <p:spPr/>
-        <p:txBody>
-          <a:bodyPr anchor="t"/>
-          <a:lstStyle/>
-          <a:p>
-            <a:r>
-              <a:rPr lang="en-US" dirty="0"/>
-              <a:t>The most challenging task is lane violation </a:t>
-            </a:r>
-            <a:r>
-              <a:rPr lang="en-US" dirty="0" smtClean="0"/>
-              <a:t>detection also depends the downstream app. (</a:t>
-            </a:r>
-            <a:r>
-              <a:rPr lang="en-US" dirty="0" smtClean="0">
-                <a:solidFill>
-                  <a:schemeClr val="accent5">
-                    <a:lumMod val="50000"/>
-                  </a:schemeClr>
-                </a:solidFill>
-              </a:rPr>
-              <a:t> Working Progress</a:t>
-            </a:r>
-            <a:r>
-              <a:rPr lang="en-US" dirty="0" smtClean="0"/>
-              <a:t>)</a:t>
-            </a:r>
-          </a:p>
-          <a:p>
-            <a:pPr lvl="1"/>
-            <a:r>
-              <a:rPr lang="en-US" dirty="0"/>
-              <a:t>Now I am starting to fine-tune it for Sri Lankan </a:t>
-            </a:r>
-            <a:r>
-              <a:rPr lang="en-US" dirty="0" smtClean="0"/>
-              <a:t>lanes ( data processing annotation time consuming task..)</a:t>
-            </a:r>
-          </a:p>
-          <a:p>
-            <a:r>
-              <a:rPr lang="en-US" dirty="0"/>
-              <a:t>Helmet violation detection started with a pre-existing YOLO model; fine-tuning is needed as well.</a:t>
-            </a:r>
-            <a:r>
-              <a:rPr lang="en-US" dirty="0" smtClean="0"/>
-              <a:t> </a:t>
-            </a:r>
-            <a:r>
-              <a:rPr lang="en-US" dirty="0" smtClean="0">
-                <a:solidFill>
-                  <a:schemeClr val="accent5">
-                    <a:lumMod val="50000"/>
-                  </a:schemeClr>
-                </a:solidFill>
-              </a:rPr>
-              <a:t>(Not started)</a:t>
-            </a:r>
-          </a:p>
-          <a:p>
-            <a:r>
-              <a:rPr lang="en-US" dirty="0" smtClean="0"/>
-              <a:t>Illegal parking violation detection. </a:t>
-            </a:r>
-            <a:r>
-              <a:rPr lang="en-US" dirty="0" smtClean="0">
-                <a:solidFill>
-                  <a:schemeClr val="accent5">
-                    <a:lumMod val="50000"/>
-                  </a:schemeClr>
-                </a:solidFill>
-              </a:rPr>
-              <a:t>( Not started)</a:t>
-            </a:r>
-          </a:p>
-          <a:p>
-            <a:r>
-              <a:rPr lang="en-US" dirty="0"/>
-              <a:t>Detecting vehicles turning at junctions without using turn signal lights</a:t>
-            </a:r>
-            <a:r>
-              <a:rPr lang="en-US" dirty="0" smtClean="0"/>
-              <a:t>.</a:t>
-            </a:r>
-          </a:p>
-          <a:p>
-            <a:r>
-              <a:rPr lang="en-US" dirty="0" smtClean="0"/>
-              <a:t>(</a:t>
-            </a:r>
-            <a:r>
-              <a:rPr lang="en-US" dirty="0"/>
-              <a:t>This can be aided by a lane detection model in the previous task)</a:t>
-            </a:r>
-            <a:endParaRPr lang="en-US" dirty="0" smtClean="0"/>
-          </a:p>
-          <a:p>
-            <a:endParaRPr lang="en-US" dirty="0" smtClean="0"/>
-          </a:p>
-        </p:txBody>
-      </p:sp>
-      <p:pic>
-        <p:nvPicPr>
-          <p:cNvPr id="1026" name="Picture 2" descr="How to Build Your Social Media Marketing Strategy | Sprout Social"/>
-          <p:cNvPicPr>
-            <a:picLocks noChangeAspect="1" noChangeArrowheads="1"/>
-          </p:cNvPicPr>
-          <p:nvPr/>
-        </p:nvPicPr>
-        <p:blipFill>
-          <a:blip r:embed="rId2">
-            <a:extLst>
-              <a:ext uri="{28A0092B-C50C-407E-A947-70E740481C1C}">
-                <a14:useLocalDpi xmlns:a14="http://schemas.microsoft.com/office/drawing/2010/main" val="0"/>
-              </a:ext>
-            </a:extLst>
-          </a:blip>
-          <a:srcRect/>
-          <a:stretch>
-            <a:fillRect/>
-          </a:stretch>
-        </p:blipFill>
-        <p:spPr bwMode="auto">
-          <a:xfrm>
-            <a:off x="9555067" y="613612"/>
-            <a:ext cx="2179734" cy="1191126"/>
-          </a:xfrm>
-          <a:prstGeom prst="rect">
-            <a:avLst/>
-          </a:prstGeom>
-          <a:noFill/>
-          <a:extLst>
-            <a:ext uri="{909E8E84-426E-40DD-AFC4-6F175D3DCCD1}">
-              <a14:hiddenFill xmlns:a14="http://schemas.microsoft.com/office/drawing/2010/main">
-                <a:solidFill>
-                  <a:srgbClr val="FFFFFF"/>
-                </a:solidFill>
-              </a14:hiddenFill>
-            </a:ext>
-          </a:extLst>
-        </p:spPr>
-      </p:pic>
-    </p:spTree>
-    <p:extLst>
-      <p:ext uri="{BB962C8B-B14F-4D97-AF65-F5344CB8AC3E}">
-        <p14:creationId xmlns:p14="http://schemas.microsoft.com/office/powerpoint/2010/main" val="4088224590"/>
-      </p:ext>
-    </p:extLst>
-  </p:cSld>
-  <p:clrMapOvr>
-    <a:masterClrMapping/>
-  </p:clrMapOvr>
-</p:sld>
-</file>
-
-<file path=ppt/slides/slide11.xml><?xml version="1.0" encoding="utf-8"?>
-<p:sld xmlns:a="http://schemas.openxmlformats.org/drawingml/2006/main" xmlns:r="http://schemas.openxmlformats.org/officeDocument/2006/relationships" xmlns:p="http://schemas.openxmlformats.org/presentationml/2006/main">
-  <p:cSld>
-    <p:spTree>
-      <p:nvGrpSpPr>
-        <p:cNvPr id="1" name=""/>
-        <p:cNvGrpSpPr/>
-        <p:nvPr/>
-      </p:nvGrpSpPr>
-      <p:grpSpPr>
-        <a:xfrm>
-          <a:off x="0" y="0"/>
-          <a:ext cx="0" cy="0"/>
-          <a:chOff x="0" y="0"/>
-          <a:chExt cx="0" cy="0"/>
-        </a:xfrm>
-      </p:grpSpPr>
-      <p:sp>
-        <p:nvSpPr>
-          <p:cNvPr id="2" name="Title 1"/>
-          <p:cNvSpPr>
-            <a:spLocks noGrp="1"/>
-          </p:cNvSpPr>
-          <p:nvPr>
-            <p:ph type="title"/>
           </p:nvPr>
         </p:nvSpPr>
         <p:spPr/>
@@ -4401,33 +4229,11 @@
           <a:p>
             <a:r>
               <a:rPr lang="en-US" dirty="0"/>
-              <a:t>Thank you.</a:t>
-            </a:r>
-          </a:p>
-        </p:txBody>
-      </p:sp>
-      <p:sp>
-        <p:nvSpPr>
-          <p:cNvPr id="3" name="Content Placeholder 2"/>
-          <p:cNvSpPr>
-            <a:spLocks noGrp="1"/>
-          </p:cNvSpPr>
-          <p:nvPr>
-            <p:ph idx="1"/>
-          </p:nvPr>
-        </p:nvSpPr>
-        <p:spPr/>
-        <p:txBody>
-          <a:bodyPr/>
-          <a:lstStyle/>
-          <a:p>
-            <a:r>
-              <a:rPr lang="en-US" dirty="0"/>
               <a:t>Questions and </a:t>
             </a:r>
             <a:r>
               <a:rPr lang="en-US" dirty="0" smtClean="0"/>
-              <a:t>Answer</a:t>
+              <a:t>Answers.</a:t>
             </a:r>
             <a:endParaRPr lang="en-US" dirty="0"/>
           </a:p>
@@ -4484,11 +4290,7 @@
             </a:r>
             <a:r>
               <a:rPr lang="en-US" b="1" dirty="0" smtClean="0"/>
-              <a:t>Problem (</a:t>
-            </a:r>
-            <a:r>
-              <a:rPr lang="en-US" b="1" dirty="0" smtClean="0"/>
-              <a:t>Recap)</a:t>
+              <a:t>Problem (Recap)</a:t>
             </a:r>
             <a:endParaRPr lang="en-US" dirty="0"/>
           </a:p>
@@ -4584,6 +4386,13 @@
   <p:clrMapOvr>
     <a:masterClrMapping/>
   </p:clrMapOvr>
+  <p:timing>
+    <p:tnLst>
+      <p:par>
+        <p:cTn id="1" dur="indefinite" restart="never" nodeType="tmRoot"/>
+      </p:par>
+    </p:tnLst>
+  </p:timing>
 </p:sld>
 </file>
 
@@ -4647,7 +4456,9 @@
         </p:nvSpPr>
         <p:spPr/>
         <p:txBody>
-          <a:bodyPr anchor="t"/>
+          <a:bodyPr anchor="t">
+            <a:normAutofit fontScale="92500" lnSpcReduction="10000"/>
+          </a:bodyPr>
           <a:lstStyle/>
           <a:p>
             <a:pPr>
@@ -4656,14 +4467,13 @@
               </a:lnSpc>
             </a:pPr>
             <a:r>
+              <a:rPr lang="en-US" dirty="0" smtClean="0"/>
+              <a:t>We </a:t>
+            </a:r>
+            <a:r>
               <a:rPr lang="en-US" dirty="0"/>
-              <a:t>We initially planned to detect the following </a:t>
-            </a:r>
-            <a:r>
-              <a:rPr lang="en-US" dirty="0" smtClean="0"/>
-              <a:t>violations as objectives:</a:t>
-            </a:r>
-            <a:endParaRPr lang="en-US" dirty="0"/>
+              <a:t>initially planned to detect the following violations as objectives:</a:t>
+            </a:r>
           </a:p>
           <a:p>
             <a:pPr lvl="1">
@@ -4695,11 +4505,7 @@
             </a:pPr>
             <a:r>
               <a:rPr lang="en-US" dirty="0"/>
-              <a:t>Detecting illegal parking</a:t>
-            </a:r>
-            <a:r>
-              <a:rPr lang="en-US" dirty="0" smtClean="0"/>
-              <a:t>.</a:t>
+              <a:t>Detecting illegal parking.</a:t>
             </a:r>
           </a:p>
           <a:p>
@@ -4709,14 +4515,54 @@
               </a:lnSpc>
             </a:pPr>
             <a:r>
-              <a:rPr lang="en-US" dirty="0" smtClean="0"/>
+              <a:rPr lang="en-US" dirty="0"/>
               <a:t>Detecting vehicles turning at junctions without using signal lights</a:t>
             </a:r>
             <a:r>
               <a:rPr lang="en-US" dirty="0" smtClean="0"/>
               <a:t>.</a:t>
             </a:r>
+          </a:p>
+          <a:p>
             <a:endParaRPr lang="en-US" dirty="0" smtClean="0"/>
+          </a:p>
+          <a:p>
+            <a:r>
+              <a:rPr lang="en-US" dirty="0" smtClean="0"/>
+              <a:t>We </a:t>
+            </a:r>
+            <a:r>
+              <a:rPr lang="en-US" dirty="0"/>
+              <a:t>narrow the scope to conduct research on vehicle dash camera due to following reason</a:t>
+            </a:r>
+            <a:r>
+              <a:rPr lang="en-US" dirty="0" smtClean="0"/>
+              <a:t>.</a:t>
+            </a:r>
+            <a:endParaRPr lang="en-US" dirty="0"/>
+          </a:p>
+          <a:p>
+            <a:pPr lvl="1"/>
+            <a:r>
+              <a:rPr lang="en-US" dirty="0"/>
+              <a:t>Most of the violations are coming from vehicle dash cameras (assumption)</a:t>
+            </a:r>
+          </a:p>
+          <a:p>
+            <a:pPr lvl="1"/>
+            <a:r>
+              <a:rPr lang="en-US" dirty="0"/>
+              <a:t>Videos capture on traffic violation highly dynamic and hard to train on all aspects.</a:t>
+            </a:r>
+          </a:p>
+          <a:p>
+            <a:pPr marL="324000" lvl="1" indent="0">
+              <a:lnSpc>
+                <a:spcPct val="150000"/>
+              </a:lnSpc>
+              <a:buNone/>
+            </a:pPr>
+            <a:endParaRPr lang="en-US" dirty="0"/>
           </a:p>
         </p:txBody>
       </p:sp>
@@ -4741,8 +4587,8 @@
         </p:blipFill>
         <p:spPr bwMode="auto">
           <a:xfrm>
-            <a:off x="9436663" y="2290650"/>
-            <a:ext cx="1308101" cy="1583596"/>
+            <a:off x="8718927" y="2480633"/>
+            <a:ext cx="1055848" cy="1278217"/>
           </a:xfrm>
           <a:prstGeom prst="rect">
             <a:avLst/>
@@ -4780,8 +4626,8 @@
         </p:blipFill>
         <p:spPr bwMode="auto">
           <a:xfrm>
-            <a:off x="8091300" y="2649513"/>
-            <a:ext cx="1038058" cy="1971564"/>
+            <a:off x="7443600" y="2946399"/>
+            <a:ext cx="752945" cy="1430055"/>
           </a:xfrm>
           <a:prstGeom prst="rect">
             <a:avLst/>
@@ -4819,7 +4665,7 @@
         </p:blipFill>
         <p:spPr bwMode="auto">
           <a:xfrm>
-            <a:off x="9760096" y="4277240"/>
+            <a:off x="9246851" y="4223390"/>
             <a:ext cx="1728956" cy="1436158"/>
           </a:xfrm>
           <a:prstGeom prst="rect">
@@ -4847,6 +4693,13 @@
   <p:clrMapOvr>
     <a:masterClrMapping/>
   </p:clrMapOvr>
+  <p:timing>
+    <p:tnLst>
+      <p:par>
+        <p:cTn id="1" dur="indefinite" restart="never" nodeType="tmRoot"/>
+      </p:par>
+    </p:tnLst>
+  </p:timing>
 </p:sld>
 </file>
 
@@ -5179,6 +5032,13 @@
   <p:clrMapOvr>
     <a:masterClrMapping/>
   </p:clrMapOvr>
+  <p:timing>
+    <p:tnLst>
+      <p:par>
+        <p:cTn id="1" dur="indefinite" restart="never" nodeType="tmRoot"/>
+      </p:par>
+    </p:tnLst>
+  </p:timing>
 </p:sld>
 </file>
 
@@ -5769,56 +5629,12 @@
           <a:lstStyle/>
           <a:p>
             <a:r>
-              <a:rPr lang="en-US" dirty="0">
-                <a:solidFill>
-                  <a:srgbClr val="FF0000"/>
-                </a:solidFill>
-              </a:rPr>
-              <a:t>Most traffic violations are captured by vehicle dash cameras, and they are dynamic.</a:t>
-            </a:r>
-            <a:endParaRPr lang="en-US" dirty="0" smtClean="0">
-              <a:solidFill>
-                <a:srgbClr val="FF0000"/>
-              </a:solidFill>
-            </a:endParaRPr>
-          </a:p>
-          <a:p>
-            <a:r>
-              <a:rPr lang="en-US" dirty="0">
-                <a:solidFill>
-                  <a:srgbClr val="FF0000"/>
-                </a:solidFill>
-              </a:rPr>
-              <a:t>Due to advancements in deep learning (DL) technology for autonomous driving, there are many existing DL models </a:t>
-            </a:r>
-            <a:r>
-              <a:rPr lang="en-US" dirty="0" smtClean="0">
-                <a:solidFill>
-                  <a:srgbClr val="FF0000"/>
-                </a:solidFill>
-              </a:rPr>
-              <a:t>available</a:t>
-            </a:r>
-          </a:p>
-          <a:p>
-            <a:r>
-              <a:rPr lang="en-US" smtClean="0">
-                <a:solidFill>
-                  <a:srgbClr val="FF0000"/>
-                </a:solidFill>
-              </a:rPr>
-              <a:t>Passvive vodice</a:t>
-            </a:r>
-            <a:endParaRPr lang="en-US" dirty="0">
-              <a:solidFill>
-                <a:srgbClr val="FF0000"/>
-              </a:solidFill>
-            </a:endParaRPr>
-          </a:p>
-          <a:p>
-            <a:r>
               <a:rPr lang="en-US" dirty="0" smtClean="0"/>
-              <a:t>Illegal Lane change detection:</a:t>
+              <a:t>Illegal </a:t>
+            </a:r>
+            <a:r>
+              <a:rPr lang="en-US" dirty="0" smtClean="0"/>
+              <a:t>Lane change detection:</a:t>
             </a:r>
           </a:p>
           <a:p>
@@ -5968,7 +5784,19 @@
           <a:p>
             <a:r>
               <a:rPr lang="en-US" b="1" dirty="0" smtClean="0"/>
-              <a:t>Methodology (Cont.…)</a:t>
+              <a:t>Methodology </a:t>
+            </a:r>
+            <a:r>
+              <a:rPr lang="en-US" b="1" dirty="0" smtClean="0"/>
+              <a:t>(</a:t>
+            </a:r>
+            <a:r>
+              <a:rPr lang="en-US" b="1" dirty="0" err="1" smtClean="0"/>
+              <a:t>Cont</a:t>
+            </a:r>
+            <a:r>
+              <a:rPr lang="en-US" b="1" dirty="0" smtClean="0"/>
+              <a:t>…)</a:t>
             </a:r>
             <a:endParaRPr lang="en-US" b="1" dirty="0"/>
           </a:p>
@@ -5984,12 +5812,7 @@
             <p:ph idx="1"/>
           </p:nvPr>
         </p:nvSpPr>
-        <p:spPr>
-          <a:xfrm>
-            <a:off x="581192" y="2180496"/>
-            <a:ext cx="11029615" cy="3678303"/>
-          </a:xfrm>
-        </p:spPr>
+        <p:spPr/>
         <p:txBody>
           <a:bodyPr anchor="t">
             <a:normAutofit/>
@@ -5998,46 +5821,61 @@
           <a:p>
             <a:r>
               <a:rPr lang="en-US" dirty="0" smtClean="0"/>
-              <a:t>Video footages are highly dynamic.</a:t>
-            </a:r>
-          </a:p>
-          <a:p>
+              <a:t>Helmet </a:t>
+            </a:r>
+            <a:r>
+              <a:rPr lang="en-US" dirty="0"/>
+              <a:t>violation </a:t>
+            </a:r>
             <a:r>
               <a:rPr lang="en-US" dirty="0" smtClean="0"/>
-              <a:t>We narrow the scope to conduct research on vehicle dash camera due to following reason.</a:t>
+              <a:t>detection.</a:t>
             </a:r>
           </a:p>
           <a:p>
             <a:pPr lvl="1"/>
             <a:r>
+              <a:rPr lang="en-US" dirty="0"/>
+              <a:t>Planned to use a pre-trained YOLO model and fine-tune it with transfer </a:t>
+            </a:r>
+            <a:r>
               <a:rPr lang="en-US" dirty="0" smtClean="0"/>
-              <a:t>Most of the violations are coming from vehicle dash camera</a:t>
+              <a:t>learning.</a:t>
+            </a:r>
+          </a:p>
+          <a:p>
+            <a:r>
+              <a:rPr lang="en-US" dirty="0"/>
+              <a:t>Illegal parking detection</a:t>
+            </a:r>
+            <a:r>
+              <a:rPr lang="en-US" dirty="0" smtClean="0"/>
+              <a:t>.</a:t>
             </a:r>
           </a:p>
           <a:p>
             <a:pPr lvl="1"/>
             <a:r>
+              <a:rPr lang="en-US" dirty="0"/>
+              <a:t>Planned to use a pre-trained YOLO model and fine-tune it with transfer learning.</a:t>
+            </a:r>
+            <a:endParaRPr lang="en-US" dirty="0" smtClean="0"/>
+          </a:p>
+          <a:p>
+            <a:r>
               <a:rPr lang="en-US" dirty="0" smtClean="0"/>
-              <a:t>Lane detection are highly active area of research due to autonomous drive</a:t>
-            </a:r>
-          </a:p>
-          <a:p>
-            <a:pPr lvl="2"/>
+              <a:t>Illegal turn without signal light</a:t>
+            </a:r>
+          </a:p>
+          <a:p>
+            <a:pPr lvl="1"/>
+            <a:r>
+              <a:rPr lang="en-US" dirty="0"/>
+              <a:t>Illegal turn without a turn </a:t>
+            </a:r>
             <a:r>
               <a:rPr lang="en-US" dirty="0" smtClean="0"/>
-              <a:t>It easy for us to obtain pre-trained models and fine-tune on Sri Lankan roads.</a:t>
-            </a:r>
-          </a:p>
-          <a:p>
-            <a:r>
-              <a:rPr lang="en-US" dirty="0" smtClean="0"/>
-              <a:t>Lane Detection is highly critical for this research </a:t>
-            </a:r>
-          </a:p>
-          <a:p>
-            <a:r>
-              <a:rPr lang="en-US" dirty="0" smtClean="0"/>
-              <a:t>Conducted advance literature review on the subject to cater our need.</a:t>
+              <a:t>signal.</a:t>
             </a:r>
           </a:p>
           <a:p>
@@ -6048,7 +5886,7 @@
     </p:spTree>
     <p:extLst>
       <p:ext uri="{BB962C8B-B14F-4D97-AF65-F5344CB8AC3E}">
-        <p14:creationId xmlns:p14="http://schemas.microsoft.com/office/powerpoint/2010/main" val="1070175154"/>
+        <p14:creationId xmlns:p14="http://schemas.microsoft.com/office/powerpoint/2010/main" val="3511719605"/>
       </p:ext>
     </p:extLst>
   </p:cSld>
@@ -6091,13 +5929,14 @@
           <a:lstStyle/>
           <a:p>
             <a:r>
+              <a:rPr lang="en-US" b="1" dirty="0"/>
+              <a:t>Progress &amp; Key </a:t>
+            </a:r>
+            <a:r>
               <a:rPr lang="en-US" b="1" dirty="0" smtClean="0"/>
-              <a:t>Methodology (</a:t>
-            </a:r>
-            <a:r>
-              <a:rPr lang="en-US" b="1" dirty="0"/>
-              <a:t>Cont.…)</a:t>
-            </a:r>
+              <a:t>Findings</a:t>
+            </a:r>
+            <a:endParaRPr lang="en-US" dirty="0"/>
           </a:p>
         </p:txBody>
       </p:sp>
@@ -6114,243 +5953,106 @@
         <p:spPr/>
         <p:txBody>
           <a:bodyPr anchor="t">
-            <a:normAutofit/>
+            <a:normAutofit lnSpcReduction="10000"/>
           </a:bodyPr>
           <a:lstStyle/>
           <a:p>
             <a:r>
               <a:rPr lang="en-US" dirty="0" smtClean="0"/>
-              <a:t>Lankan roads.</a:t>
-            </a:r>
-          </a:p>
-          <a:p>
-            <a:pPr lvl="1"/>
+              <a:t>As with previously described lane detection is highly important in this research.</a:t>
+            </a:r>
+          </a:p>
+          <a:p>
             <a:r>
               <a:rPr lang="en-US" dirty="0" smtClean="0"/>
-              <a:t>Tools: </a:t>
-            </a:r>
-            <a:r>
-              <a:rPr lang="en-US" b="1" u="sng" dirty="0" err="1" smtClean="0">
-                <a:hlinkClick r:id="rId2"/>
-              </a:rPr>
-              <a:t>LVLane</a:t>
+              <a:t>Initially manual Hough </a:t>
+            </a:r>
+            <a:r>
+              <a:rPr lang="en-US" dirty="0"/>
+              <a:t>Transformation</a:t>
             </a:r>
             <a:r>
               <a:rPr lang="en-US" dirty="0" smtClean="0"/>
-              <a:t> (Spatial CNN variation </a:t>
+              <a:t> </a:t>
             </a:r>
             <a:r>
               <a:rPr lang="en-US" dirty="0"/>
-              <a:t>| </a:t>
-            </a:r>
-            <a:r>
-              <a:rPr lang="en-US" dirty="0" err="1"/>
-              <a:t>pytorch</a:t>
-            </a:r>
+              <a:t>was used for lane detection, but it is not accurate in challenging conditions, such as curved roads that are not fully visible or roads blocked by vehicles</a:t>
+            </a:r>
+            <a:r>
+              <a:rPr lang="en-US" dirty="0" smtClean="0"/>
+              <a:t>.</a:t>
+            </a:r>
+          </a:p>
+          <a:p>
             <a:r>
               <a:rPr lang="en-US" dirty="0"/>
-              <a:t>)</a:t>
-            </a:r>
-            <a:endParaRPr lang="en-US" dirty="0" smtClean="0"/>
-          </a:p>
-          <a:p>
-            <a:r>
-              <a:rPr lang="en-US" dirty="0"/>
-              <a:t>Helmet violation </a:t>
+              <a:t>Then, we switched to a deep learning (DL) model for lane </a:t>
             </a:r>
             <a:r>
               <a:rPr lang="en-US" dirty="0" smtClean="0"/>
               <a:t>detection.</a:t>
             </a:r>
+            <a:endParaRPr lang="en-US" dirty="0" smtClean="0"/>
+          </a:p>
+          <a:p>
+            <a:r>
+              <a:rPr lang="en-US" dirty="0"/>
+              <a:t>There were many libraries available for lane </a:t>
+            </a:r>
+            <a:r>
+              <a:rPr lang="en-US" dirty="0" smtClean="0"/>
+              <a:t>detection thanks to autonomous drive development (active research field).</a:t>
+            </a:r>
+            <a:endParaRPr lang="en-US" dirty="0" smtClean="0"/>
           </a:p>
           <a:p>
             <a:pPr lvl="1"/>
             <a:r>
+              <a:rPr lang="en-US" dirty="0" smtClean="0"/>
+              <a:t>SCNN, Ultra-Fast-Lane</a:t>
+            </a:r>
+            <a:r>
               <a:rPr lang="en-US" dirty="0"/>
-              <a:t>Planned to use a pre-trained YOLO model and fine-tune it with transfer </a:t>
+              <a:t>, </a:t>
             </a:r>
             <a:r>
               <a:rPr lang="en-US" dirty="0" smtClean="0"/>
-              <a:t>learning.</a:t>
-            </a:r>
+              <a:t>, </a:t>
+            </a:r>
+            <a:r>
+              <a:rPr lang="en-US" dirty="0" err="1" smtClean="0"/>
+              <a:t>LVLane</a:t>
+            </a:r>
+            <a:endParaRPr lang="en-US" dirty="0" smtClean="0"/>
           </a:p>
           <a:p>
             <a:r>
               <a:rPr lang="en-US" dirty="0"/>
-              <a:t>Illegal parking detection</a:t>
+              <a:t>But it is critical for us to find the matching lane </a:t>
+            </a:r>
+            <a:r>
+              <a:rPr lang="en-US" dirty="0" smtClean="0"/>
+              <a:t>type for thi</a:t>
+            </a:r>
+            <a:r>
+              <a:rPr lang="en-US" dirty="0" smtClean="0"/>
+              <a:t>s research</a:t>
             </a:r>
             <a:r>
               <a:rPr lang="en-US" dirty="0" smtClean="0"/>
               <a:t>.</a:t>
             </a:r>
-          </a:p>
-          <a:p>
-            <a:pPr lvl="1"/>
+            <a:endParaRPr lang="en-US" dirty="0" smtClean="0"/>
+          </a:p>
+          <a:p>
             <a:r>
               <a:rPr lang="en-US" dirty="0"/>
-              <a:t>Planned to use a pre-trained YOLO model and fine-tune it with transfer learning.</a:t>
-            </a:r>
-            <a:endParaRPr lang="en-US" dirty="0" smtClean="0"/>
-          </a:p>
-          <a:p>
+              <a:t>Conducted an intensive search to find something similar to that one, ensuring it is </a:t>
+            </a:r>
             <a:r>
               <a:rPr lang="en-US" dirty="0" smtClean="0"/>
-              <a:t>Illegal turn without signal light</a:t>
-            </a:r>
-          </a:p>
-          <a:p>
-            <a:pPr lvl="1"/>
-            <a:r>
-              <a:rPr lang="en-US" dirty="0"/>
-              <a:t>Illegal turn without a turn </a:t>
-            </a:r>
-            <a:r>
-              <a:rPr lang="en-US" dirty="0" smtClean="0"/>
-              <a:t>signal.</a:t>
-            </a:r>
-          </a:p>
-          <a:p>
-            <a:endParaRPr lang="en-US" dirty="0"/>
-          </a:p>
-        </p:txBody>
-      </p:sp>
-    </p:spTree>
-    <p:extLst>
-      <p:ext uri="{BB962C8B-B14F-4D97-AF65-F5344CB8AC3E}">
-        <p14:creationId xmlns:p14="http://schemas.microsoft.com/office/powerpoint/2010/main" val="3511719605"/>
-      </p:ext>
-    </p:extLst>
-  </p:cSld>
-  <p:clrMapOvr>
-    <a:masterClrMapping/>
-  </p:clrMapOvr>
-</p:sld>
-</file>
-
-<file path=ppt/slides/slide9.xml><?xml version="1.0" encoding="utf-8"?>
-<p:sld xmlns:a="http://schemas.openxmlformats.org/drawingml/2006/main" xmlns:r="http://schemas.openxmlformats.org/officeDocument/2006/relationships" xmlns:p="http://schemas.openxmlformats.org/presentationml/2006/main">
-  <p:cSld>
-    <p:spTree>
-      <p:nvGrpSpPr>
-        <p:cNvPr id="1" name=""/>
-        <p:cNvGrpSpPr/>
-        <p:nvPr/>
-      </p:nvGrpSpPr>
-      <p:grpSpPr>
-        <a:xfrm>
-          <a:off x="0" y="0"/>
-          <a:ext cx="0" cy="0"/>
-          <a:chOff x="0" y="0"/>
-          <a:chExt cx="0" cy="0"/>
-        </a:xfrm>
-      </p:grpSpPr>
-      <p:sp>
-        <p:nvSpPr>
-          <p:cNvPr id="2" name="Title 1"/>
-          <p:cNvSpPr>
-            <a:spLocks noGrp="1"/>
-          </p:cNvSpPr>
-          <p:nvPr>
-            <p:ph type="title"/>
-          </p:nvPr>
-        </p:nvSpPr>
-        <p:spPr/>
-        <p:txBody>
-          <a:bodyPr/>
-          <a:lstStyle/>
-          <a:p>
-            <a:r>
-              <a:rPr lang="en-US" b="1" dirty="0"/>
-              <a:t>Progress &amp; Key </a:t>
-            </a:r>
-            <a:r>
-              <a:rPr lang="en-US" b="1" dirty="0" smtClean="0"/>
-              <a:t>Findings</a:t>
-            </a:r>
-            <a:endParaRPr lang="en-US" dirty="0"/>
-          </a:p>
-        </p:txBody>
-      </p:sp>
-      <p:sp>
-        <p:nvSpPr>
-          <p:cNvPr id="3" name="Content Placeholder 2"/>
-          <p:cNvSpPr>
-            <a:spLocks noGrp="1"/>
-          </p:cNvSpPr>
-          <p:nvPr>
-            <p:ph idx="1"/>
-          </p:nvPr>
-        </p:nvSpPr>
-        <p:spPr/>
-        <p:txBody>
-          <a:bodyPr anchor="t">
-            <a:normAutofit/>
-          </a:bodyPr>
-          <a:lstStyle/>
-          <a:p>
-            <a:r>
-              <a:rPr lang="en-US" dirty="0"/>
-              <a:t>Initially, Hough Transformation</a:t>
-            </a:r>
-            <a:r>
-              <a:rPr lang="en-US" dirty="0" smtClean="0"/>
-              <a:t> </a:t>
-            </a:r>
-            <a:r>
-              <a:rPr lang="en-US" dirty="0"/>
-              <a:t>was used for lane detection, but it is not accurate in challenging conditions, such as curved roads that are not fully visible or roads blocked by vehicles</a:t>
-            </a:r>
-            <a:r>
-              <a:rPr lang="en-US" dirty="0" smtClean="0"/>
-              <a:t>.</a:t>
-            </a:r>
-          </a:p>
-          <a:p>
-            <a:r>
-              <a:rPr lang="en-US" dirty="0"/>
-              <a:t>Then, we switched to a deep learning (DL) model for lane detection</a:t>
-            </a:r>
-            <a:r>
-              <a:rPr lang="en-US" dirty="0" smtClean="0"/>
-              <a:t>.</a:t>
-            </a:r>
-          </a:p>
-          <a:p>
-            <a:r>
-              <a:rPr lang="en-US" dirty="0"/>
-              <a:t>There were many libraries available for lane detection.</a:t>
-            </a:r>
-            <a:r>
-              <a:rPr lang="en-US" dirty="0" smtClean="0"/>
-              <a:t>.</a:t>
-            </a:r>
-          </a:p>
-          <a:p>
-            <a:pPr lvl="1"/>
-            <a:r>
-              <a:rPr lang="en-US" dirty="0" smtClean="0"/>
-              <a:t>Ultra-Fast-Lane/ SCNN/</a:t>
-            </a:r>
-            <a:r>
-              <a:rPr lang="en-US" dirty="0" err="1" smtClean="0"/>
-              <a:t>LVLane</a:t>
-            </a:r>
-            <a:endParaRPr lang="en-US" dirty="0" smtClean="0"/>
-          </a:p>
-          <a:p>
-            <a:r>
-              <a:rPr lang="en-US" dirty="0"/>
-              <a:t>But it is critical for us to find the matching lane </a:t>
-            </a:r>
-            <a:r>
-              <a:rPr lang="en-US" dirty="0" smtClean="0"/>
-              <a:t>type</a:t>
-            </a:r>
-          </a:p>
-          <a:p>
-            <a:r>
-              <a:rPr lang="en-US" dirty="0"/>
-              <a:t>Conducted an intensive search to find something similar to that one, ensuring it is well-documented</a:t>
+              <a:t>well-documented.</a:t>
             </a:r>
             <a:endParaRPr lang="en-US" dirty="0" smtClean="0"/>
           </a:p>
@@ -6407,6 +6109,318 @@
     <p:extLst>
       <p:ext uri="{BB962C8B-B14F-4D97-AF65-F5344CB8AC3E}">
         <p14:creationId xmlns:p14="http://schemas.microsoft.com/office/powerpoint/2010/main" val="2359823755"/>
+      </p:ext>
+    </p:extLst>
+  </p:cSld>
+  <p:clrMapOvr>
+    <a:masterClrMapping/>
+  </p:clrMapOvr>
+</p:sld>
+</file>
+
+<file path=ppt/slides/slide9.xml><?xml version="1.0" encoding="utf-8"?>
+<p:sld xmlns:a="http://schemas.openxmlformats.org/drawingml/2006/main" xmlns:r="http://schemas.openxmlformats.org/officeDocument/2006/relationships" xmlns:p="http://schemas.openxmlformats.org/presentationml/2006/main">
+  <p:cSld>
+    <p:spTree>
+      <p:nvGrpSpPr>
+        <p:cNvPr id="1" name=""/>
+        <p:cNvGrpSpPr/>
+        <p:nvPr/>
+      </p:nvGrpSpPr>
+      <p:grpSpPr>
+        <a:xfrm>
+          <a:off x="0" y="0"/>
+          <a:ext cx="0" cy="0"/>
+          <a:chOff x="0" y="0"/>
+          <a:chExt cx="0" cy="0"/>
+        </a:xfrm>
+      </p:grpSpPr>
+      <p:sp>
+        <p:nvSpPr>
+          <p:cNvPr id="2" name="Title 1"/>
+          <p:cNvSpPr>
+            <a:spLocks noGrp="1"/>
+          </p:cNvSpPr>
+          <p:nvPr>
+            <p:ph type="title"/>
+          </p:nvPr>
+        </p:nvSpPr>
+        <p:spPr/>
+        <p:txBody>
+          <a:bodyPr/>
+          <a:lstStyle/>
+          <a:p>
+            <a:r>
+              <a:rPr lang="en-US" b="1" dirty="0"/>
+              <a:t>Remaining Work &amp; Future-Plans</a:t>
+            </a:r>
+            <a:endParaRPr lang="en-US" dirty="0"/>
+          </a:p>
+        </p:txBody>
+      </p:sp>
+      <p:sp>
+        <p:nvSpPr>
+          <p:cNvPr id="3" name="Content Placeholder 2"/>
+          <p:cNvSpPr>
+            <a:spLocks noGrp="1"/>
+          </p:cNvSpPr>
+          <p:nvPr>
+            <p:ph idx="1"/>
+          </p:nvPr>
+        </p:nvSpPr>
+        <p:spPr/>
+        <p:txBody>
+          <a:bodyPr anchor="t"/>
+          <a:lstStyle/>
+          <a:p>
+            <a:r>
+              <a:rPr lang="en-US" dirty="0"/>
+              <a:t>The most challenging task is lane violation </a:t>
+            </a:r>
+            <a:r>
+              <a:rPr lang="en-US" dirty="0" smtClean="0"/>
+              <a:t>detection also depends the downstream </a:t>
+            </a:r>
+            <a:r>
+              <a:rPr lang="en-US" dirty="0" smtClean="0"/>
+              <a:t>app(</a:t>
+            </a:r>
+            <a:r>
+              <a:rPr lang="en-US" dirty="0" smtClean="0">
+                <a:solidFill>
+                  <a:schemeClr val="accent5">
+                    <a:lumMod val="50000"/>
+                  </a:schemeClr>
+                </a:solidFill>
+              </a:rPr>
+              <a:t> </a:t>
+            </a:r>
+            <a:r>
+              <a:rPr lang="en-US" dirty="0" smtClean="0">
+                <a:solidFill>
+                  <a:schemeClr val="accent5">
+                    <a:lumMod val="50000"/>
+                  </a:schemeClr>
+                </a:solidFill>
+              </a:rPr>
+              <a:t>Working Progress</a:t>
+            </a:r>
+            <a:r>
+              <a:rPr lang="en-US" dirty="0" smtClean="0"/>
+              <a:t>).</a:t>
+            </a:r>
+            <a:endParaRPr lang="en-US" dirty="0" smtClean="0"/>
+          </a:p>
+          <a:p>
+            <a:pPr lvl="1"/>
+            <a:r>
+              <a:rPr lang="en-US" dirty="0"/>
+              <a:t>Now I am starting to fine-tune it for Sri Lankan </a:t>
+            </a:r>
+            <a:r>
+              <a:rPr lang="en-US" dirty="0" smtClean="0"/>
+              <a:t>lanes ( data processing annotation time consuming task</a:t>
+            </a:r>
+            <a:r>
+              <a:rPr lang="en-US" dirty="0" smtClean="0"/>
+              <a:t>.)</a:t>
+            </a:r>
+          </a:p>
+          <a:p>
+            <a:pPr lvl="1"/>
+            <a:r>
+              <a:rPr lang="en-US" dirty="0" smtClean="0"/>
+              <a:t>Need to cross validate once fined tuned.</a:t>
+            </a:r>
+            <a:endParaRPr lang="en-US" dirty="0" smtClean="0"/>
+          </a:p>
+          <a:p>
+            <a:r>
+              <a:rPr lang="en-US" dirty="0"/>
+              <a:t>Helmet violation detection started with a pre-existing YOLO model; fine-tuning is needed as </a:t>
+            </a:r>
+            <a:r>
+              <a:rPr lang="en-US" dirty="0" smtClean="0"/>
+              <a:t>well</a:t>
+            </a:r>
+            <a:r>
+              <a:rPr lang="en-US" dirty="0" smtClean="0">
+                <a:solidFill>
+                  <a:schemeClr val="accent5">
+                    <a:lumMod val="50000"/>
+                  </a:schemeClr>
+                </a:solidFill>
+              </a:rPr>
+              <a:t>(Not </a:t>
+            </a:r>
+            <a:r>
+              <a:rPr lang="en-US" dirty="0" smtClean="0">
+                <a:solidFill>
+                  <a:schemeClr val="accent5">
+                    <a:lumMod val="50000"/>
+                  </a:schemeClr>
+                </a:solidFill>
+              </a:rPr>
+              <a:t>started</a:t>
+            </a:r>
+            <a:r>
+              <a:rPr lang="en-US" dirty="0" smtClean="0">
+                <a:solidFill>
+                  <a:schemeClr val="accent5">
+                    <a:lumMod val="50000"/>
+                  </a:schemeClr>
+                </a:solidFill>
+              </a:rPr>
+              <a:t>).</a:t>
+            </a:r>
+            <a:endParaRPr lang="en-US" dirty="0" smtClean="0">
+              <a:solidFill>
+                <a:schemeClr val="accent5">
+                  <a:lumMod val="50000"/>
+                </a:schemeClr>
+              </a:solidFill>
+            </a:endParaRPr>
+          </a:p>
+          <a:p>
+            <a:r>
+              <a:rPr lang="en-US" dirty="0" smtClean="0"/>
+              <a:t>Illegal parking violation </a:t>
+            </a:r>
+            <a:r>
+              <a:rPr lang="en-US" dirty="0" smtClean="0"/>
+              <a:t>detection</a:t>
+            </a:r>
+            <a:r>
+              <a:rPr lang="en-US" dirty="0" smtClean="0">
+                <a:solidFill>
+                  <a:schemeClr val="accent5">
+                    <a:lumMod val="50000"/>
+                  </a:schemeClr>
+                </a:solidFill>
+              </a:rPr>
+              <a:t>( </a:t>
+            </a:r>
+            <a:r>
+              <a:rPr lang="en-US" dirty="0" smtClean="0">
+                <a:solidFill>
+                  <a:schemeClr val="accent5">
+                    <a:lumMod val="50000"/>
+                  </a:schemeClr>
+                </a:solidFill>
+              </a:rPr>
+              <a:t>Not started</a:t>
+            </a:r>
+            <a:r>
+              <a:rPr lang="en-US" dirty="0" smtClean="0">
+                <a:solidFill>
+                  <a:schemeClr val="accent5">
+                    <a:lumMod val="50000"/>
+                  </a:schemeClr>
+                </a:solidFill>
+              </a:rPr>
+              <a:t>).</a:t>
+            </a:r>
+            <a:endParaRPr lang="en-US" dirty="0" smtClean="0">
+              <a:solidFill>
+                <a:schemeClr val="accent5">
+                  <a:lumMod val="50000"/>
+                </a:schemeClr>
+              </a:solidFill>
+            </a:endParaRPr>
+          </a:p>
+          <a:p>
+            <a:r>
+              <a:rPr lang="en-US" dirty="0"/>
+              <a:t>Detecting vehicles turning at junctions without using turn signal </a:t>
+            </a:r>
+            <a:r>
+              <a:rPr lang="en-US" dirty="0" smtClean="0"/>
+              <a:t>lights </a:t>
+            </a:r>
+            <a:r>
+              <a:rPr lang="en-US" dirty="0">
+                <a:solidFill>
+                  <a:schemeClr val="accent5">
+                    <a:lumMod val="50000"/>
+                  </a:schemeClr>
+                </a:solidFill>
+              </a:rPr>
+              <a:t>( Not started).</a:t>
+            </a:r>
+            <a:endParaRPr lang="en-US" dirty="0" smtClean="0"/>
+          </a:p>
+          <a:p>
+            <a:pPr marL="0" indent="0">
+              <a:buNone/>
+            </a:pPr>
+            <a:r>
+              <a:rPr lang="en-US" dirty="0"/>
+              <a:t>	</a:t>
+            </a:r>
+            <a:r>
+              <a:rPr lang="en-US" dirty="0" smtClean="0"/>
+              <a:t>(</a:t>
+            </a:r>
+            <a:r>
+              <a:rPr lang="en-US" dirty="0"/>
+              <a:t>This can be aided by a lane detection model in the previous task</a:t>
+            </a:r>
+            <a:r>
+              <a:rPr lang="en-US" dirty="0" smtClean="0"/>
+              <a:t>)</a:t>
+            </a:r>
+            <a:endParaRPr lang="en-US" dirty="0" smtClean="0"/>
+          </a:p>
+          <a:p>
+            <a:endParaRPr lang="en-US" dirty="0" smtClean="0"/>
+          </a:p>
+        </p:txBody>
+      </p:sp>
+      <p:pic>
+        <p:nvPicPr>
+          <p:cNvPr id="1026" name="Picture 2" descr="How to Build Your Social Media Marketing Strategy | Sprout Social"/>
+          <p:cNvPicPr>
+            <a:picLocks noChangeAspect="1" noChangeArrowheads="1"/>
+          </p:cNvPicPr>
+          <p:nvPr/>
+        </p:nvPicPr>
+        <p:blipFill>
+          <a:blip r:embed="rId2">
+            <a:extLst>
+              <a:ext uri="{28A0092B-C50C-407E-A947-70E740481C1C}">
+                <a14:useLocalDpi xmlns:a14="http://schemas.microsoft.com/office/drawing/2010/main" val="0"/>
+              </a:ext>
+            </a:extLst>
+          </a:blip>
+          <a:srcRect/>
+          <a:stretch>
+            <a:fillRect/>
+          </a:stretch>
+        </p:blipFill>
+        <p:spPr bwMode="auto">
+          <a:xfrm>
+            <a:off x="9555067" y="613612"/>
+            <a:ext cx="2179734" cy="1191126"/>
+          </a:xfrm>
+          <a:prstGeom prst="rect">
+            <a:avLst/>
+          </a:prstGeom>
+          <a:noFill/>
+          <a:extLst>
+            <a:ext uri="{909E8E84-426E-40DD-AFC4-6F175D3DCCD1}">
+              <a14:hiddenFill xmlns:a14="http://schemas.microsoft.com/office/drawing/2010/main">
+                <a:solidFill>
+                  <a:srgbClr val="FFFFFF"/>
+                </a:solidFill>
+              </a14:hiddenFill>
+            </a:ext>
+          </a:extLst>
+        </p:spPr>
+      </p:pic>
+    </p:spTree>
+    <p:extLst>
+      <p:ext uri="{BB962C8B-B14F-4D97-AF65-F5344CB8AC3E}">
+        <p14:creationId xmlns:p14="http://schemas.microsoft.com/office/powerpoint/2010/main" val="4088224590"/>
       </p:ext>
     </p:extLst>
   </p:cSld>

--- a/DEMO/progress_report.pptx
+++ b/DEMO/progress_report.pptx
@@ -4249,6 +4249,13 @@
   <p:clrMapOvr>
     <a:masterClrMapping/>
   </p:clrMapOvr>
+  <p:timing>
+    <p:tnLst>
+      <p:par>
+        <p:cTn id="1" dur="indefinite" restart="never" nodeType="tmRoot"/>
+      </p:par>
+    </p:tnLst>
+  </p:timing>
 </p:sld>
 </file>
 
@@ -4457,7 +4464,7 @@
         <p:spPr/>
         <p:txBody>
           <a:bodyPr anchor="t">
-            <a:normAutofit fontScale="92500" lnSpcReduction="10000"/>
+            <a:normAutofit lnSpcReduction="10000"/>
           </a:bodyPr>
           <a:lstStyle/>
           <a:p>
@@ -4522,18 +4529,23 @@
               <a:rPr lang="en-US" dirty="0" smtClean="0"/>
               <a:t>.</a:t>
             </a:r>
-          </a:p>
-          <a:p>
             <a:endParaRPr lang="en-US" dirty="0" smtClean="0"/>
           </a:p>
           <a:p>
             <a:r>
+              <a:rPr lang="en-US" dirty="0"/>
+              <a:t>The scope is narrowed to conduct research on vehicle dash </a:t>
+            </a:r>
+            <a:r>
               <a:rPr lang="en-US" dirty="0" smtClean="0"/>
-              <a:t>We </a:t>
-            </a:r>
+              <a:t>cameras video footages:</a:t>
+            </a:r>
+          </a:p>
+          <a:p>
+            <a:pPr lvl="1"/>
             <a:r>
               <a:rPr lang="en-US" dirty="0"/>
-              <a:t>narrow the scope to conduct research on vehicle dash camera due to following reason</a:t>
+              <a:t>Videos captured of traffic violations are highly dynamic and difficult to train on all aspects</a:t>
             </a:r>
             <a:r>
               <a:rPr lang="en-US" dirty="0" smtClean="0"/>
@@ -4544,16 +4556,30 @@
           <a:p>
             <a:pPr lvl="1"/>
             <a:r>
+              <a:rPr lang="en-US" dirty="0" smtClean="0"/>
+              <a:t>Most </a:t>
+            </a:r>
+            <a:r>
               <a:rPr lang="en-US" dirty="0"/>
-              <a:t>Most of the violations are coming from vehicle dash cameras (assumption)</a:t>
-            </a:r>
-          </a:p>
-          <a:p>
-            <a:pPr lvl="1"/>
+              <a:t>of the violations </a:t>
+            </a:r>
+            <a:r>
+              <a:rPr lang="en-US" dirty="0" smtClean="0"/>
+              <a:t>videos are </a:t>
+            </a:r>
             <a:r>
               <a:rPr lang="en-US" dirty="0"/>
-              <a:t>Videos capture on traffic violation highly dynamic and hard to train on all aspects.</a:t>
-            </a:r>
+              <a:t>recorded by vehicle dash </a:t>
+            </a:r>
+            <a:r>
+              <a:rPr lang="en-US" dirty="0" smtClean="0"/>
+              <a:t>cameras</a:t>
+            </a:r>
+            <a:r>
+              <a:rPr lang="en-US" dirty="0" smtClean="0"/>
+              <a:t>.</a:t>
+            </a:r>
+            <a:endParaRPr lang="en-US" dirty="0"/>
           </a:p>
           <a:p>
             <a:pPr marL="324000" lvl="1" indent="0">
@@ -4587,7 +4613,7 @@
         </p:blipFill>
         <p:spPr bwMode="auto">
           <a:xfrm>
-            <a:off x="8718927" y="2480633"/>
+            <a:off x="9260066" y="1809245"/>
             <a:ext cx="1055848" cy="1278217"/>
           </a:xfrm>
           <a:prstGeom prst="rect">
@@ -4626,7 +4652,7 @@
         </p:blipFill>
         <p:spPr bwMode="auto">
           <a:xfrm>
-            <a:off x="7443600" y="2946399"/>
+            <a:off x="8268077" y="2899384"/>
             <a:ext cx="752945" cy="1430055"/>
           </a:xfrm>
           <a:prstGeom prst="rect">
@@ -4665,8 +4691,8 @@
         </p:blipFill>
         <p:spPr bwMode="auto">
           <a:xfrm>
-            <a:off x="9246851" y="4223390"/>
-            <a:ext cx="1728956" cy="1436158"/>
+            <a:off x="9563100" y="3180751"/>
+            <a:ext cx="1712546" cy="1422527"/>
           </a:xfrm>
           <a:prstGeom prst="rect">
             <a:avLst/>
@@ -4757,7 +4783,7 @@
             <p:ph sz="half" idx="1"/>
             <p:extLst>
               <p:ext uri="{D42A27DB-BD31-4B8C-83A1-F6EECF244321}">
-                <p14:modId xmlns:p14="http://schemas.microsoft.com/office/powerpoint/2010/main" val="2413306711"/>
+                <p14:modId xmlns:p14="http://schemas.microsoft.com/office/powerpoint/2010/main" val="2285854305"/>
               </p:ext>
             </p:extLst>
           </p:nvPr>
@@ -4876,7 +4902,11 @@
                     <a:p>
                       <a:r>
                         <a:rPr lang="en-US" sz="1800" dirty="0" smtClean="0"/>
-                        <a:t>This was based on CCTV fix position camera</a:t>
+                        <a:t>This was based on CCTV fix position </a:t>
+                      </a:r>
+                      <a:r>
+                        <a:rPr lang="en-US" sz="1800" dirty="0" smtClean="0"/>
+                        <a:t>camera.</a:t>
                       </a:r>
                       <a:endParaRPr lang="en-US" sz="1800" dirty="0"/>
                     </a:p>
@@ -4890,7 +4920,11 @@
                     <a:p>
                       <a:r>
                         <a:rPr lang="en-US" sz="1800" dirty="0" smtClean="0"/>
-                        <a:t>The dynamic nature of the video has not been addressed</a:t>
+                        <a:t>The dynamic nature of the video has not been </a:t>
+                      </a:r>
+                      <a:r>
+                        <a:rPr lang="en-US" sz="1800" dirty="0" smtClean="0"/>
+                        <a:t>addressed.</a:t>
                       </a:r>
                       <a:endParaRPr lang="en-US" sz="1800" dirty="0"/>
                     </a:p>
@@ -4996,7 +5030,11 @@
                     <a:p>
                       <a:r>
                         <a:rPr lang="en-US" sz="1800" dirty="0" smtClean="0"/>
-                        <a:t>This is based on the mathematical modeling of computer vision-based detection</a:t>
+                        <a:t>This is based on the mathematical modeling of computer vision-based </a:t>
+                      </a:r>
+                      <a:r>
+                        <a:rPr lang="en-US" sz="1800" dirty="0" smtClean="0"/>
+                        <a:t>detection.</a:t>
                       </a:r>
                       <a:endParaRPr lang="en-US" sz="1800" dirty="0"/>
                     </a:p>
@@ -5010,7 +5048,19 @@
                     <a:p>
                       <a:r>
                         <a:rPr lang="en-US" sz="1800" dirty="0" smtClean="0"/>
-                        <a:t>Lack of deep learning accuracy and challenging environmental conditions</a:t>
+                        <a:t>Lack of deep </a:t>
+                      </a:r>
+                      <a:r>
+                        <a:rPr lang="en-US" sz="1800" dirty="0" smtClean="0"/>
+                        <a:t>learning. Accuracy </a:t>
+                      </a:r>
+                      <a:r>
+                        <a:rPr lang="en-US" sz="1800" dirty="0" smtClean="0"/>
+                        <a:t>and challenging environmental </a:t>
+                      </a:r>
+                      <a:r>
+                        <a:rPr lang="en-US" sz="1800" dirty="0" smtClean="0"/>
+                        <a:t>conditions.</a:t>
                       </a:r>
                       <a:endParaRPr lang="en-US" sz="1800" dirty="0"/>
                     </a:p>
@@ -5096,7 +5146,7 @@
             <p:ph sz="half" idx="1"/>
             <p:extLst>
               <p:ext uri="{D42A27DB-BD31-4B8C-83A1-F6EECF244321}">
-                <p14:modId xmlns:p14="http://schemas.microsoft.com/office/powerpoint/2010/main" val="3320306216"/>
+                <p14:modId xmlns:p14="http://schemas.microsoft.com/office/powerpoint/2010/main" val="3060391244"/>
               </p:ext>
             </p:extLst>
           </p:nvPr>
@@ -5215,12 +5265,13 @@
                     <a:p>
                       <a:r>
                         <a:rPr lang="en-US" sz="1400" dirty="0" smtClean="0"/>
-                        <a:t>This is a common lane detection method.</a:t>
-                      </a:r>
-                      <a:r>
-                        <a:rPr lang="en-US" sz="1400" baseline="0" dirty="0" smtClean="0"/>
+                        <a:t>This is a common lane detection method</a:t>
+                      </a:r>
+                      <a:r>
+                        <a:rPr lang="en-US" sz="1400" dirty="0" smtClean="0"/>
                         <a:t>.</a:t>
                       </a:r>
+                      <a:endParaRPr lang="en-US" sz="1400" baseline="0" dirty="0" smtClean="0"/>
                     </a:p>
                     <a:p>
                       <a:r>
@@ -5422,7 +5473,19 @@
                     <a:p>
                       <a:r>
                         <a:rPr lang="en-US" sz="1400" baseline="0" dirty="0" smtClean="0"/>
-                        <a:t>Not well documented.(Repo also in Chinese)</a:t>
+                        <a:t>Not well </a:t>
+                      </a:r>
+                      <a:r>
+                        <a:rPr lang="en-US" sz="1400" baseline="0" dirty="0" smtClean="0"/>
+                        <a:t>documented(Repo </a:t>
+                      </a:r>
+                      <a:r>
+                        <a:rPr lang="en-US" sz="1400" baseline="0" dirty="0" smtClean="0"/>
+                        <a:t>also in Chinese</a:t>
+                      </a:r>
+                      <a:r>
+                        <a:rPr lang="en-US" sz="1400" baseline="0" dirty="0" smtClean="0"/>
+                        <a:t>).</a:t>
                       </a:r>
                       <a:endParaRPr lang="en-US" sz="1400" dirty="0"/>
                     </a:p>
@@ -5466,8 +5529,13 @@
                     <a:p>
                       <a:r>
                         <a:rPr lang="en-US" sz="1400" dirty="0" smtClean="0"/>
-                        <a:t>Supports lane type detection</a:t>
-                      </a:r>
+                        <a:t>Supports lane type </a:t>
+                      </a:r>
+                      <a:r>
+                        <a:rPr lang="en-US" sz="1400" dirty="0" smtClean="0"/>
+                        <a:t>detections.</a:t>
+                      </a:r>
+                      <a:endParaRPr lang="en-US" sz="1400" dirty="0" smtClean="0"/>
                     </a:p>
                     <a:p>
                       <a:r>
@@ -5479,7 +5547,11 @@
                     <a:p>
                       <a:r>
                         <a:rPr lang="en-US" sz="1400" dirty="0" smtClean="0"/>
-                        <a:t>Rich toolset for the ecosystem</a:t>
+                        <a:t>Rich toolset for the </a:t>
+                      </a:r>
+                      <a:r>
+                        <a:rPr lang="en-US" sz="1400" dirty="0" smtClean="0"/>
+                        <a:t>ecosystem.</a:t>
                       </a:r>
                       <a:endParaRPr lang="en-US" sz="1400" baseline="0" dirty="0" smtClean="0"/>
                     </a:p>
@@ -5569,6 +5641,13 @@
   <p:clrMapOvr>
     <a:masterClrMapping/>
   </p:clrMapOvr>
+  <p:timing>
+    <p:tnLst>
+      <p:par>
+        <p:cTn id="1" dur="indefinite" restart="never" nodeType="tmRoot"/>
+      </p:par>
+    </p:tnLst>
+  </p:timing>
 </p:sld>
 </file>
 
@@ -5630,12 +5709,13 @@
           <a:p>
             <a:r>
               <a:rPr lang="en-US" dirty="0" smtClean="0"/>
-              <a:t>Illegal </a:t>
+              <a:t>Illegal Lane change detection</a:t>
             </a:r>
             <a:r>
               <a:rPr lang="en-US" dirty="0" smtClean="0"/>
-              <a:t>Lane change detection:</a:t>
-            </a:r>
+              <a:t>:</a:t>
+            </a:r>
+            <a:endParaRPr lang="en-US" dirty="0" smtClean="0"/>
           </a:p>
           <a:p>
             <a:pPr lvl="1"/>
@@ -5648,8 +5728,13 @@
             </a:br>
             <a:r>
               <a:rPr lang="en-US" dirty="0" smtClean="0"/>
-              <a:t>lane detection + vehicle position to detect the violation.</a:t>
-            </a:r>
+              <a:t>lane detection + vehicle position to detect the violation</a:t>
+            </a:r>
+            <a:r>
+              <a:rPr lang="en-US" dirty="0" smtClean="0"/>
+              <a:t>.</a:t>
+            </a:r>
+            <a:endParaRPr lang="en-US" dirty="0" smtClean="0"/>
           </a:p>
           <a:p>
             <a:pPr lvl="1"/>
@@ -5659,8 +5744,9 @@
             </a:r>
             <a:r>
               <a:rPr lang="en-US" dirty="0" smtClean="0"/>
-              <a:t>roads</a:t>
-            </a:r>
+              <a:t>roads.</a:t>
+            </a:r>
+            <a:endParaRPr lang="en-US" dirty="0" smtClean="0"/>
           </a:p>
           <a:p>
             <a:pPr lvl="1"/>
@@ -5668,6 +5754,10 @@
               <a:rPr lang="en-US" dirty="0" smtClean="0"/>
               <a:t>Tools: </a:t>
             </a:r>
+            <a:endParaRPr lang="en-US" dirty="0" smtClean="0"/>
+          </a:p>
+          <a:p>
+            <a:pPr lvl="2"/>
             <a:r>
               <a:rPr lang="en-US" b="1" u="sng" dirty="0" err="1" smtClean="0">
                 <a:hlinkClick r:id="rId2"/>
@@ -5676,20 +5766,48 @@
             </a:r>
             <a:r>
               <a:rPr lang="en-US" dirty="0" smtClean="0"/>
-              <a:t> (Spatial CNN variation </a:t>
-            </a:r>
+              <a:t> ( Spatial </a:t>
+            </a:r>
+            <a:r>
+              <a:rPr lang="en-US" dirty="0" smtClean="0"/>
+              <a:t>CNN </a:t>
+            </a:r>
+            <a:r>
+              <a:rPr lang="en-US" dirty="0" smtClean="0"/>
+              <a:t>variation) </a:t>
+            </a:r>
+          </a:p>
+          <a:p>
+            <a:pPr lvl="2"/>
             <a:r>
               <a:rPr lang="en-US" dirty="0"/>
-              <a:t>| </a:t>
+              <a:t>Assistive Python libraries like </a:t>
             </a:r>
             <a:r>
               <a:rPr lang="en-US" dirty="0" err="1"/>
-              <a:t>pytorch</a:t>
-            </a:r>
+              <a:t>PyTorc</a:t>
+            </a:r>
+            <a:r>
+              <a:rPr lang="en-US" dirty="0"/>
+              <a:t>, </a:t>
+            </a:r>
+            <a:r>
+              <a:rPr lang="en-US" dirty="0" err="1" smtClean="0"/>
+              <a:t>SciPy</a:t>
+            </a:r>
+            <a:endParaRPr lang="en-US" dirty="0" smtClean="0"/>
+          </a:p>
+          <a:p>
+            <a:pPr lvl="2"/>
             <a:r>
               <a:rPr lang="en-US" dirty="0" smtClean="0"/>
-              <a:t>)</a:t>
-            </a:r>
+              <a:t>VGG for lane annotations.</a:t>
+            </a:r>
+            <a:endParaRPr lang="en-US" dirty="0" smtClean="0"/>
+          </a:p>
+          <a:p>
+            <a:pPr lvl="2"/>
+            <a:endParaRPr lang="en-US" dirty="0" smtClean="0"/>
           </a:p>
           <a:p>
             <a:endParaRPr lang="en-US" dirty="0"/>
@@ -5737,6 +5855,30 @@
           </a:extLst>
         </p:spPr>
       </p:pic>
+      <p:pic>
+        <p:nvPicPr>
+          <p:cNvPr id="4" name="Picture 3"/>
+          <p:cNvPicPr>
+            <a:picLocks noChangeAspect="1"/>
+          </p:cNvPicPr>
+          <p:nvPr/>
+        </p:nvPicPr>
+        <p:blipFill>
+          <a:blip r:embed="rId4"/>
+          <a:stretch>
+            <a:fillRect/>
+          </a:stretch>
+        </p:blipFill>
+        <p:spPr>
+          <a:xfrm>
+            <a:off x="6525921" y="3601662"/>
+            <a:ext cx="3976918" cy="2257137"/>
+          </a:xfrm>
+          <a:prstGeom prst="rect">
+            <a:avLst/>
+          </a:prstGeom>
+        </p:spPr>
+      </p:pic>
     </p:spTree>
     <p:extLst>
       <p:ext uri="{BB962C8B-B14F-4D97-AF65-F5344CB8AC3E}">
@@ -5747,6 +5889,13 @@
   <p:clrMapOvr>
     <a:masterClrMapping/>
   </p:clrMapOvr>
+  <p:timing>
+    <p:tnLst>
+      <p:par>
+        <p:cTn id="1" dur="indefinite" restart="never" nodeType="tmRoot"/>
+      </p:par>
+    </p:tnLst>
+  </p:timing>
 </p:sld>
 </file>
 
@@ -5784,11 +5933,7 @@
           <a:p>
             <a:r>
               <a:rPr lang="en-US" b="1" dirty="0" smtClean="0"/>
-              <a:t>Methodology </a:t>
-            </a:r>
-            <a:r>
-              <a:rPr lang="en-US" b="1" dirty="0" smtClean="0"/>
-              <a:t>(</a:t>
+              <a:t>Methodology (</a:t>
             </a:r>
             <a:r>
               <a:rPr lang="en-US" b="1" dirty="0" err="1" smtClean="0"/>
@@ -5893,6 +6038,13 @@
   <p:clrMapOvr>
     <a:masterClrMapping/>
   </p:clrMapOvr>
+  <p:timing>
+    <p:tnLst>
+      <p:par>
+        <p:cTn id="1" dur="indefinite" restart="never" nodeType="tmRoot"/>
+      </p:par>
+    </p:tnLst>
+  </p:timing>
 </p:sld>
 </file>
 
@@ -5953,41 +6105,35 @@
         <p:spPr/>
         <p:txBody>
           <a:bodyPr anchor="t">
-            <a:normAutofit lnSpcReduction="10000"/>
+            <a:normAutofit fontScale="92500"/>
           </a:bodyPr>
           <a:lstStyle/>
           <a:p>
             <a:r>
-              <a:rPr lang="en-US" dirty="0" smtClean="0"/>
-              <a:t>As with previously described lane detection is highly important in this research.</a:t>
-            </a:r>
-          </a:p>
-          <a:p>
-            <a:r>
-              <a:rPr lang="en-US" dirty="0" smtClean="0"/>
-              <a:t>Initially manual Hough </a:t>
-            </a:r>
-            <a:r>
               <a:rPr lang="en-US" dirty="0"/>
-              <a:t>Transformation</a:t>
-            </a:r>
-            <a:r>
-              <a:rPr lang="en-US" dirty="0" smtClean="0"/>
-              <a:t> </a:t>
-            </a:r>
-            <a:r>
-              <a:rPr lang="en-US" dirty="0"/>
-              <a:t>was used for lane detection, but it is not accurate in challenging conditions, such as curved roads that are not fully visible or roads blocked by vehicles</a:t>
+              <a:t>As previously described, lane detection is highly important in this research</a:t>
             </a:r>
             <a:r>
               <a:rPr lang="en-US" dirty="0" smtClean="0"/>
               <a:t>.</a:t>
             </a:r>
+            <a:endParaRPr lang="en-US" dirty="0" smtClean="0"/>
           </a:p>
           <a:p>
             <a:r>
               <a:rPr lang="en-US" dirty="0"/>
-              <a:t>Then, we switched to a deep learning (DL) model for lane </a:t>
+              <a:t>Initially, a manual Hough Transformation was used for lane detection, but it is not accurate in challenging conditions, such as curved roads that are not fully visible or roads blocked by </a:t>
+            </a:r>
+            <a:r>
+              <a:rPr lang="en-US" dirty="0" smtClean="0"/>
+              <a:t>vehicles.</a:t>
+            </a:r>
+            <a:endParaRPr lang="en-US" dirty="0" smtClean="0"/>
+          </a:p>
+          <a:p>
+            <a:r>
+              <a:rPr lang="en-US" dirty="0"/>
+              <a:t>Then, a deep learning (DL) model was adopted for lane </a:t>
             </a:r>
             <a:r>
               <a:rPr lang="en-US" dirty="0" smtClean="0"/>
@@ -5998,29 +6144,28 @@
           <a:p>
             <a:r>
               <a:rPr lang="en-US" dirty="0"/>
-              <a:t>There were many libraries available for lane </a:t>
+              <a:t>Many libraries were made available for lane detection due to advancements in autonomous driving, which is an active research </a:t>
             </a:r>
             <a:r>
               <a:rPr lang="en-US" dirty="0" smtClean="0"/>
-              <a:t>detection thanks to autonomous drive development (active research field).</a:t>
-            </a:r>
-            <a:endParaRPr lang="en-US" dirty="0" smtClean="0"/>
+              <a:t>field:</a:t>
+            </a:r>
           </a:p>
           <a:p>
             <a:pPr lvl="1"/>
             <a:r>
               <a:rPr lang="en-US" dirty="0" smtClean="0"/>
-              <a:t>SCNN, Ultra-Fast-Lane</a:t>
+              <a:t>SCNN</a:t>
+            </a:r>
+            <a:r>
+              <a:rPr lang="en-US" dirty="0" smtClean="0"/>
+              <a:t>, Ultra-Fast-Lane</a:t>
             </a:r>
             <a:r>
               <a:rPr lang="en-US" dirty="0"/>
               <a:t>, </a:t>
             </a:r>
             <a:r>
-              <a:rPr lang="en-US" dirty="0" smtClean="0"/>
-              <a:t>, </a:t>
-            </a:r>
-            <a:r>
               <a:rPr lang="en-US" dirty="0" err="1" smtClean="0"/>
               <a:t>LVLane</a:t>
             </a:r>
@@ -6029,38 +6174,30 @@
           <a:p>
             <a:r>
               <a:rPr lang="en-US" dirty="0"/>
-              <a:t>But it is critical for us to find the matching lane </a:t>
-            </a:r>
-            <a:r>
-              <a:rPr lang="en-US" dirty="0" smtClean="0"/>
-              <a:t>type for thi</a:t>
-            </a:r>
-            <a:r>
-              <a:rPr lang="en-US" dirty="0" smtClean="0"/>
-              <a:t>s research</a:t>
+              <a:t>However, finding a model that is capable of identifying lane types is critical for this research</a:t>
             </a:r>
             <a:r>
               <a:rPr lang="en-US" dirty="0" smtClean="0"/>
               <a:t>.</a:t>
             </a:r>
+          </a:p>
+          <a:p>
+            <a:r>
+              <a:rPr lang="en-US" dirty="0" smtClean="0"/>
+              <a:t>An </a:t>
+            </a:r>
+            <a:r>
+              <a:rPr lang="en-US" dirty="0"/>
+              <a:t>intensive search was conducted to find something that caters to our needs while ensuring it was well-documented.</a:t>
+            </a:r>
             <a:endParaRPr lang="en-US" dirty="0" smtClean="0"/>
           </a:p>
           <a:p>
             <a:r>
               <a:rPr lang="en-US" dirty="0"/>
-              <a:t>Conducted an intensive search to find something similar to that one, ensuring it is </a:t>
-            </a:r>
-            <a:r>
-              <a:rPr lang="en-US" dirty="0" smtClean="0"/>
-              <a:t>well-documented.</a:t>
-            </a:r>
-            <a:endParaRPr lang="en-US" dirty="0" smtClean="0"/>
-          </a:p>
-          <a:p>
-            <a:r>
-              <a:rPr lang="en-US" dirty="0"/>
-              <a:t>Found one and now refining it while understanding the tools to support transfer learning.</a:t>
-            </a:r>
+              <a:t>One has been found and is now being refined.</a:t>
+            </a:r>
+            <a:endParaRPr lang="en-US" dirty="0"/>
           </a:p>
         </p:txBody>
       </p:sp>
@@ -6115,6 +6252,13 @@
   <p:clrMapOvr>
     <a:masterClrMapping/>
   </p:clrMapOvr>
+  <p:timing>
+    <p:tnLst>
+      <p:par>
+        <p:cTn id="1" dur="indefinite" restart="never" nodeType="tmRoot"/>
+      </p:par>
+    </p:tnLst>
+  </p:timing>
 </p:sld>
 </file>
 
@@ -6183,7 +6327,7 @@
             </a:r>
             <a:r>
               <a:rPr lang="en-US" dirty="0" smtClean="0"/>
-              <a:t>app(</a:t>
+              <a:t>application(</a:t>
             </a:r>
             <a:r>
               <a:rPr lang="en-US" dirty="0" smtClean="0">
@@ -6209,7 +6353,6 @@
               <a:rPr lang="en-US" dirty="0" smtClean="0"/>
               <a:t>).</a:t>
             </a:r>
-            <a:endParaRPr lang="en-US" dirty="0" smtClean="0"/>
           </a:p>
           <a:p>
             <a:pPr lvl="1"/>
@@ -6219,12 +6362,13 @@
             </a:r>
             <a:r>
               <a:rPr lang="en-US" dirty="0" smtClean="0"/>
-              <a:t>lanes ( data processing annotation time consuming task</a:t>
+              <a:t>lanes ( data processing annotation time consuming </a:t>
             </a:r>
             <a:r>
               <a:rPr lang="en-US" dirty="0" smtClean="0"/>
-              <a:t>.)</a:t>
-            </a:r>
+              <a:t>task).</a:t>
+            </a:r>
+            <a:endParaRPr lang="en-US" dirty="0" smtClean="0"/>
           </a:p>
           <a:p>
             <a:pPr lvl="1"/>
@@ -6232,7 +6376,6 @@
               <a:rPr lang="en-US" dirty="0" smtClean="0"/>
               <a:t>Need to cross validate once fined tuned.</a:t>
             </a:r>
-            <a:endParaRPr lang="en-US" dirty="0" smtClean="0"/>
           </a:p>
           <a:p>
             <a:r>
@@ -6251,7 +6394,13 @@
                   </a:schemeClr>
                 </a:solidFill>
               </a:rPr>
-              <a:t>(Not </a:t>
+              <a:t>(Not started).</a:t>
+            </a:r>
+          </a:p>
+          <a:p>
+            <a:r>
+              <a:rPr lang="en-US" dirty="0" smtClean="0"/>
+              <a:t>Illegal parking violation detection</a:t>
             </a:r>
             <a:r>
               <a:rPr lang="en-US" dirty="0" smtClean="0">
@@ -6261,34 +6410,35 @@
                   </a:schemeClr>
                 </a:solidFill>
               </a:rPr>
-              <a:t>started</a:t>
-            </a:r>
-            <a:r>
-              <a:rPr lang="en-US" dirty="0" smtClean="0">
+              <a:t>( Not started).</a:t>
+            </a:r>
+          </a:p>
+          <a:p>
+            <a:r>
+              <a:rPr lang="en-US" dirty="0"/>
+              <a:t>Detecting vehicles turning at junctions without using turn signal </a:t>
+            </a:r>
+            <a:r>
+              <a:rPr lang="en-US" dirty="0" smtClean="0"/>
+              <a:t>lights (</a:t>
+            </a:r>
+            <a:r>
+              <a:rPr lang="en-US" dirty="0"/>
+              <a:t>This can be aided by a lane detection model in the previous task</a:t>
+            </a:r>
+            <a:r>
+              <a:rPr lang="en-US" dirty="0" smtClean="0"/>
+              <a:t>) </a:t>
+            </a:r>
+            <a:r>
+              <a:rPr lang="en-US" dirty="0">
                 <a:solidFill>
                   <a:schemeClr val="accent5">
                     <a:lumMod val="50000"/>
                   </a:schemeClr>
                 </a:solidFill>
               </a:rPr>
-              <a:t>).</a:t>
-            </a:r>
-            <a:endParaRPr lang="en-US" dirty="0" smtClean="0">
-              <a:solidFill>
-                <a:schemeClr val="accent5">
-                  <a:lumMod val="50000"/>
-                </a:schemeClr>
-              </a:solidFill>
-            </a:endParaRPr>
-          </a:p>
-          <a:p>
-            <a:r>
-              <a:rPr lang="en-US" dirty="0" smtClean="0"/>
-              <a:t>Illegal parking violation </a:t>
-            </a:r>
-            <a:r>
-              <a:rPr lang="en-US" dirty="0" smtClean="0"/>
-              <a:t>detection</a:t>
+              <a:t>( Not started</a:t>
             </a:r>
             <a:r>
               <a:rPr lang="en-US" dirty="0" smtClean="0">
@@ -6298,76 +6448,7 @@
                   </a:schemeClr>
                 </a:solidFill>
               </a:rPr>
-              <a:t>( </a:t>
-            </a:r>
-            <a:r>
-              <a:rPr lang="en-US" dirty="0" smtClean="0">
-                <a:solidFill>
-                  <a:schemeClr val="accent5">
-                    <a:lumMod val="50000"/>
-                  </a:schemeClr>
-                </a:solidFill>
-              </a:rPr>
-              <a:t>Not started</a:t>
-            </a:r>
-            <a:r>
-              <a:rPr lang="en-US" dirty="0" smtClean="0">
-                <a:solidFill>
-                  <a:schemeClr val="accent5">
-                    <a:lumMod val="50000"/>
-                  </a:schemeClr>
-                </a:solidFill>
-              </a:rPr>
               <a:t>).</a:t>
-            </a:r>
-            <a:endParaRPr lang="en-US" dirty="0" smtClean="0">
-              <a:solidFill>
-                <a:schemeClr val="accent5">
-                  <a:lumMod val="50000"/>
-                </a:schemeClr>
-              </a:solidFill>
-            </a:endParaRPr>
-          </a:p>
-          <a:p>
-            <a:r>
-              <a:rPr lang="en-US" dirty="0"/>
-              <a:t>Detecting vehicles turning at junctions without using turn signal </a:t>
-            </a:r>
-            <a:r>
-              <a:rPr lang="en-US" dirty="0" smtClean="0"/>
-              <a:t>lights </a:t>
-            </a:r>
-            <a:r>
-              <a:rPr lang="en-US" dirty="0">
-                <a:solidFill>
-                  <a:schemeClr val="accent5">
-                    <a:lumMod val="50000"/>
-                  </a:schemeClr>
-                </a:solidFill>
-              </a:rPr>
-              <a:t>( Not started).</a:t>
-            </a:r>
-            <a:endParaRPr lang="en-US" dirty="0" smtClean="0"/>
-          </a:p>
-          <a:p>
-            <a:pPr marL="0" indent="0">
-              <a:buNone/>
-            </a:pPr>
-            <a:r>
-              <a:rPr lang="en-US" dirty="0"/>
-              <a:t>	</a:t>
-            </a:r>
-            <a:r>
-              <a:rPr lang="en-US" dirty="0" smtClean="0"/>
-              <a:t>(</a:t>
-            </a:r>
-            <a:r>
-              <a:rPr lang="en-US" dirty="0"/>
-              <a:t>This can be aided by a lane detection model in the previous task</a:t>
-            </a:r>
-            <a:r>
-              <a:rPr lang="en-US" dirty="0" smtClean="0"/>
-              <a:t>)</a:t>
             </a:r>
             <a:endParaRPr lang="en-US" dirty="0" smtClean="0"/>
           </a:p>
@@ -6427,6 +6508,13 @@
   <p:clrMapOvr>
     <a:masterClrMapping/>
   </p:clrMapOvr>
+  <p:timing>
+    <p:tnLst>
+      <p:par>
+        <p:cTn id="1" dur="indefinite" restart="never" nodeType="tmRoot"/>
+      </p:par>
+    </p:tnLst>
+  </p:timing>
 </p:sld>
 </file>
 
